--- a/rdelay.pptx
+++ b/rdelay.pptx
@@ -243,7 +243,7 @@
           <a:p>
             <a:fld id="{48894B9B-904B-49A6-BEA7-A1B44D76B27B}" type="datetimeFigureOut">
               <a:rPr lang="zh-CN" altLang="en-US" smtClean="0"/>
-              <a:t>2019/9/9</a:t>
+              <a:t>2019/9/10</a:t>
             </a:fld>
             <a:endParaRPr lang="zh-CN" altLang="en-US"/>
           </a:p>
@@ -413,7 +413,7 @@
           <a:p>
             <a:fld id="{48894B9B-904B-49A6-BEA7-A1B44D76B27B}" type="datetimeFigureOut">
               <a:rPr lang="zh-CN" altLang="en-US" smtClean="0"/>
-              <a:t>2019/9/9</a:t>
+              <a:t>2019/9/10</a:t>
             </a:fld>
             <a:endParaRPr lang="zh-CN" altLang="en-US"/>
           </a:p>
@@ -593,7 +593,7 @@
           <a:p>
             <a:fld id="{48894B9B-904B-49A6-BEA7-A1B44D76B27B}" type="datetimeFigureOut">
               <a:rPr lang="zh-CN" altLang="en-US" smtClean="0"/>
-              <a:t>2019/9/9</a:t>
+              <a:t>2019/9/10</a:t>
             </a:fld>
             <a:endParaRPr lang="zh-CN" altLang="en-US"/>
           </a:p>
@@ -763,7 +763,7 @@
           <a:p>
             <a:fld id="{48894B9B-904B-49A6-BEA7-A1B44D76B27B}" type="datetimeFigureOut">
               <a:rPr lang="zh-CN" altLang="en-US" smtClean="0"/>
-              <a:t>2019/9/9</a:t>
+              <a:t>2019/9/10</a:t>
             </a:fld>
             <a:endParaRPr lang="zh-CN" altLang="en-US"/>
           </a:p>
@@ -1009,7 +1009,7 @@
           <a:p>
             <a:fld id="{48894B9B-904B-49A6-BEA7-A1B44D76B27B}" type="datetimeFigureOut">
               <a:rPr lang="zh-CN" altLang="en-US" smtClean="0"/>
-              <a:t>2019/9/9</a:t>
+              <a:t>2019/9/10</a:t>
             </a:fld>
             <a:endParaRPr lang="zh-CN" altLang="en-US"/>
           </a:p>
@@ -1241,7 +1241,7 @@
           <a:p>
             <a:fld id="{48894B9B-904B-49A6-BEA7-A1B44D76B27B}" type="datetimeFigureOut">
               <a:rPr lang="zh-CN" altLang="en-US" smtClean="0"/>
-              <a:t>2019/9/9</a:t>
+              <a:t>2019/9/10</a:t>
             </a:fld>
             <a:endParaRPr lang="zh-CN" altLang="en-US"/>
           </a:p>
@@ -1608,7 +1608,7 @@
           <a:p>
             <a:fld id="{48894B9B-904B-49A6-BEA7-A1B44D76B27B}" type="datetimeFigureOut">
               <a:rPr lang="zh-CN" altLang="en-US" smtClean="0"/>
-              <a:t>2019/9/9</a:t>
+              <a:t>2019/9/10</a:t>
             </a:fld>
             <a:endParaRPr lang="zh-CN" altLang="en-US"/>
           </a:p>
@@ -1726,7 +1726,7 @@
           <a:p>
             <a:fld id="{48894B9B-904B-49A6-BEA7-A1B44D76B27B}" type="datetimeFigureOut">
               <a:rPr lang="zh-CN" altLang="en-US" smtClean="0"/>
-              <a:t>2019/9/9</a:t>
+              <a:t>2019/9/10</a:t>
             </a:fld>
             <a:endParaRPr lang="zh-CN" altLang="en-US"/>
           </a:p>
@@ -1821,7 +1821,7 @@
           <a:p>
             <a:fld id="{48894B9B-904B-49A6-BEA7-A1B44D76B27B}" type="datetimeFigureOut">
               <a:rPr lang="zh-CN" altLang="en-US" smtClean="0"/>
-              <a:t>2019/9/9</a:t>
+              <a:t>2019/9/10</a:t>
             </a:fld>
             <a:endParaRPr lang="zh-CN" altLang="en-US"/>
           </a:p>
@@ -2098,7 +2098,7 @@
           <a:p>
             <a:fld id="{48894B9B-904B-49A6-BEA7-A1B44D76B27B}" type="datetimeFigureOut">
               <a:rPr lang="zh-CN" altLang="en-US" smtClean="0"/>
-              <a:t>2019/9/9</a:t>
+              <a:t>2019/9/10</a:t>
             </a:fld>
             <a:endParaRPr lang="zh-CN" altLang="en-US"/>
           </a:p>
@@ -2351,7 +2351,7 @@
           <a:p>
             <a:fld id="{48894B9B-904B-49A6-BEA7-A1B44D76B27B}" type="datetimeFigureOut">
               <a:rPr lang="zh-CN" altLang="en-US" smtClean="0"/>
-              <a:t>2019/9/9</a:t>
+              <a:t>2019/9/10</a:t>
             </a:fld>
             <a:endParaRPr lang="zh-CN" altLang="en-US"/>
           </a:p>
@@ -2564,7 +2564,7 @@
           <a:p>
             <a:fld id="{48894B9B-904B-49A6-BEA7-A1B44D76B27B}" type="datetimeFigureOut">
               <a:rPr lang="zh-CN" altLang="en-US" smtClean="0"/>
-              <a:t>2019/9/9</a:t>
+              <a:t>2019/9/10</a:t>
             </a:fld>
             <a:endParaRPr lang="zh-CN" altLang="en-US"/>
           </a:p>
@@ -2971,6 +2971,86 @@
       </p:grpSpPr>
       <p:sp>
         <p:nvSpPr>
+          <p:cNvPr id="11" name="矩形 10"/>
+          <p:cNvSpPr/>
+          <p:nvPr/>
+        </p:nvSpPr>
+        <p:spPr>
+          <a:xfrm>
+            <a:off x="437011" y="1866723"/>
+            <a:ext cx="2671660" cy="2500313"/>
+          </a:xfrm>
+          <a:prstGeom prst="rect">
+            <a:avLst/>
+          </a:prstGeom>
+        </p:spPr>
+        <p:style>
+          <a:lnRef idx="3">
+            <a:schemeClr val="lt1"/>
+          </a:lnRef>
+          <a:fillRef idx="1">
+            <a:schemeClr val="accent6"/>
+          </a:fillRef>
+          <a:effectRef idx="1">
+            <a:schemeClr val="accent6"/>
+          </a:effectRef>
+          <a:fontRef idx="minor">
+            <a:schemeClr val="lt1"/>
+          </a:fontRef>
+        </p:style>
+        <p:txBody>
+          <a:bodyPr rtlCol="0" anchor="ctr"/>
+          <a:lstStyle/>
+          <a:p>
+            <a:pPr algn="ctr"/>
+            <a:endParaRPr lang="zh-CN" altLang="en-US" dirty="0">
+              <a:solidFill>
+                <a:schemeClr val="tx1"/>
+              </a:solidFill>
+            </a:endParaRPr>
+          </a:p>
+        </p:txBody>
+      </p:sp>
+      <p:sp>
+        <p:nvSpPr>
+          <p:cNvPr id="8" name="矩形 7"/>
+          <p:cNvSpPr/>
+          <p:nvPr/>
+        </p:nvSpPr>
+        <p:spPr>
+          <a:xfrm>
+            <a:off x="9426184" y="1871663"/>
+            <a:ext cx="2584841" cy="2500313"/>
+          </a:xfrm>
+          <a:prstGeom prst="rect">
+            <a:avLst/>
+          </a:prstGeom>
+        </p:spPr>
+        <p:style>
+          <a:lnRef idx="1">
+            <a:schemeClr val="accent6"/>
+          </a:lnRef>
+          <a:fillRef idx="2">
+            <a:schemeClr val="accent6"/>
+          </a:fillRef>
+          <a:effectRef idx="1">
+            <a:schemeClr val="accent6"/>
+          </a:effectRef>
+          <a:fontRef idx="minor">
+            <a:schemeClr val="dk1"/>
+          </a:fontRef>
+        </p:style>
+        <p:txBody>
+          <a:bodyPr rtlCol="0" anchor="ctr"/>
+          <a:lstStyle/>
+          <a:p>
+            <a:pPr algn="ctr"/>
+            <a:endParaRPr lang="zh-CN" altLang="en-US"/>
+          </a:p>
+        </p:txBody>
+      </p:sp>
+      <p:sp>
+        <p:nvSpPr>
           <p:cNvPr id="4" name="矩形 3"/>
           <p:cNvSpPr/>
           <p:nvPr/>
@@ -3011,7 +3091,7 @@
           <a:lstStyle/>
           <a:p>
             <a:pPr algn="ctr"/>
-            <a:endParaRPr lang="zh-CN" altLang="en-US" sz="1351" dirty="0"/>
+            <a:endParaRPr lang="zh-CN" altLang="en-US" sz="1000" dirty="0"/>
           </a:p>
         </p:txBody>
       </p:sp>
@@ -3058,10 +3138,10 @@
           <a:p>
             <a:pPr algn="ctr"/>
             <a:r>
-              <a:rPr lang="en-US" altLang="zh-CN" sz="1351" dirty="0"/>
+              <a:rPr lang="en-US" altLang="zh-CN" sz="1000" dirty="0"/>
               <a:t>rdelay-client-sender</a:t>
             </a:r>
-            <a:endParaRPr lang="zh-CN" altLang="en-US" sz="1351" dirty="0"/>
+            <a:endParaRPr lang="zh-CN" altLang="en-US" sz="1000" dirty="0"/>
           </a:p>
         </p:txBody>
       </p:sp>
@@ -3110,10 +3190,18 @@
           <a:p>
             <a:pPr algn="ctr"/>
             <a:r>
-              <a:rPr lang="en-US" altLang="zh-CN" sz="1351" dirty="0"/>
+              <a:rPr lang="en-US" altLang="zh-CN" sz="1000" dirty="0" smtClean="0">
+                <a:solidFill>
+                  <a:schemeClr val="tx1"/>
+                </a:solidFill>
+              </a:rPr>
               <a:t>rdelay-client-receiver</a:t>
             </a:r>
-            <a:endParaRPr lang="zh-CN" altLang="en-US" sz="1351" dirty="0"/>
+            <a:endParaRPr lang="zh-CN" altLang="en-US" sz="1000" dirty="0">
+              <a:solidFill>
+                <a:schemeClr val="tx1"/>
+              </a:solidFill>
+            </a:endParaRPr>
           </a:p>
         </p:txBody>
       </p:sp>
@@ -3236,10 +3324,10 @@
           <a:p>
             <a:pPr algn="ctr"/>
             <a:r>
-              <a:rPr lang="en-US" altLang="zh-CN" sz="1351" dirty="0"/>
+              <a:rPr lang="en-US" altLang="zh-CN" sz="1000" dirty="0"/>
               <a:t>redis</a:t>
             </a:r>
-            <a:endParaRPr lang="zh-CN" altLang="en-US" sz="1351" dirty="0"/>
+            <a:endParaRPr lang="zh-CN" altLang="en-US" sz="1000" dirty="0"/>
           </a:p>
         </p:txBody>
       </p:sp>
@@ -3285,7 +3373,7 @@
         <p:spPr>
           <a:xfrm>
             <a:off x="2933699" y="2835473"/>
-            <a:ext cx="1905000" cy="307777"/>
+            <a:ext cx="1905000" cy="246221"/>
           </a:xfrm>
           <a:prstGeom prst="rect">
             <a:avLst/>
@@ -3300,10 +3388,10 @@
           <a:p>
             <a:pPr algn="ctr"/>
             <a:r>
-              <a:rPr lang="en-US" altLang="zh-CN" sz="1400" dirty="0"/>
+              <a:rPr lang="en-US" altLang="zh-CN" sz="1000" dirty="0"/>
               <a:t>request to create task</a:t>
             </a:r>
-            <a:endParaRPr lang="zh-CN" altLang="en-US" sz="1400" dirty="0"/>
+            <a:endParaRPr lang="zh-CN" altLang="en-US" sz="1000" dirty="0"/>
           </a:p>
         </p:txBody>
       </p:sp>
@@ -3316,7 +3404,7 @@
         <p:spPr>
           <a:xfrm>
             <a:off x="2953938" y="3398211"/>
-            <a:ext cx="2138365" cy="307777"/>
+            <a:ext cx="2138365" cy="246221"/>
           </a:xfrm>
           <a:prstGeom prst="rect">
             <a:avLst/>
@@ -3331,10 +3419,10 @@
           <a:p>
             <a:pPr algn="ctr"/>
             <a:r>
-              <a:rPr lang="en-US" altLang="zh-CN" sz="1400" dirty="0"/>
+              <a:rPr lang="en-US" altLang="zh-CN" sz="1000" dirty="0"/>
               <a:t>response for task creation</a:t>
             </a:r>
-            <a:endParaRPr lang="zh-CN" altLang="en-US" sz="1400" dirty="0"/>
+            <a:endParaRPr lang="zh-CN" altLang="en-US" sz="1000" dirty="0"/>
           </a:p>
         </p:txBody>
       </p:sp>
@@ -3385,7 +3473,7 @@
         <p:spPr>
           <a:xfrm>
             <a:off x="3640131" y="1153534"/>
-            <a:ext cx="1758952" cy="738664"/>
+            <a:ext cx="1758952" cy="553998"/>
           </a:xfrm>
           <a:prstGeom prst="rect">
             <a:avLst/>
@@ -3400,26 +3488,26 @@
           <a:p>
             <a:pPr algn="ctr"/>
             <a:r>
-              <a:rPr lang="en-US" altLang="zh-CN" sz="1400" dirty="0" smtClean="0"/>
+              <a:rPr lang="en-US" altLang="zh-CN" sz="1000" dirty="0" smtClean="0"/>
               <a:t>save task </a:t>
             </a:r>
-            <a:endParaRPr lang="en-US" altLang="zh-CN" sz="1400" dirty="0"/>
+            <a:endParaRPr lang="en-US" altLang="zh-CN" sz="1000" dirty="0"/>
           </a:p>
           <a:p>
             <a:pPr algn="ctr"/>
             <a:r>
-              <a:rPr lang="en-US" altLang="zh-CN" sz="1400" dirty="0" smtClean="0"/>
+              <a:rPr lang="en-US" altLang="zh-CN" sz="1000" dirty="0" smtClean="0"/>
               <a:t>then sort </a:t>
             </a:r>
             <a:r>
-              <a:rPr lang="en-US" altLang="zh-CN" sz="1400" dirty="0"/>
+              <a:rPr lang="en-US" altLang="zh-CN" sz="1000" dirty="0"/>
               <a:t>it </a:t>
             </a:r>
             <a:r>
-              <a:rPr lang="en-US" altLang="zh-CN" sz="1400" dirty="0" smtClean="0"/>
+              <a:rPr lang="en-US" altLang="zh-CN" sz="1000" dirty="0" smtClean="0"/>
               <a:t>by its execution time</a:t>
             </a:r>
-            <a:endParaRPr lang="zh-CN" altLang="en-US" sz="1400" dirty="0"/>
+            <a:endParaRPr lang="zh-CN" altLang="en-US" sz="1000" dirty="0"/>
           </a:p>
         </p:txBody>
       </p:sp>
@@ -3471,17 +3559,17 @@
           <a:p>
             <a:pPr algn="ctr"/>
             <a:r>
-              <a:rPr lang="en-US" altLang="zh-CN" sz="1400" dirty="0"/>
+              <a:rPr lang="en-US" altLang="zh-CN" sz="1000" dirty="0"/>
               <a:t>background </a:t>
             </a:r>
           </a:p>
           <a:p>
             <a:pPr algn="ctr"/>
             <a:r>
-              <a:rPr lang="en-US" altLang="zh-CN" sz="1400" dirty="0"/>
+              <a:rPr lang="en-US" altLang="zh-CN" sz="1000" dirty="0"/>
               <a:t>thread pool</a:t>
             </a:r>
-            <a:endParaRPr lang="zh-CN" altLang="en-US" sz="1400" dirty="0"/>
+            <a:endParaRPr lang="zh-CN" altLang="en-US" sz="1000" dirty="0"/>
           </a:p>
         </p:txBody>
       </p:sp>
@@ -3494,7 +3582,7 @@
         <p:spPr>
           <a:xfrm>
             <a:off x="5307805" y="3940728"/>
-            <a:ext cx="1481136" cy="300210"/>
+            <a:ext cx="1481136" cy="246221"/>
           </a:xfrm>
           <a:prstGeom prst="rect">
             <a:avLst/>
@@ -3509,10 +3597,10 @@
           <a:p>
             <a:pPr algn="ctr"/>
             <a:r>
-              <a:rPr lang="en-US" altLang="zh-CN" sz="1351" dirty="0"/>
+              <a:rPr lang="en-US" altLang="zh-CN" sz="1000" dirty="0"/>
               <a:t>rdelay-server</a:t>
             </a:r>
-            <a:endParaRPr lang="zh-CN" altLang="en-US" sz="1351" dirty="0"/>
+            <a:endParaRPr lang="zh-CN" altLang="en-US" sz="1000" dirty="0"/>
           </a:p>
         </p:txBody>
       </p:sp>
@@ -3564,7 +3652,7 @@
           <a:p>
             <a:pPr algn="ctr"/>
             <a:r>
-              <a:rPr lang="en-US" altLang="zh-CN" sz="1400" dirty="0"/>
+              <a:rPr lang="en-US" altLang="zh-CN" sz="1000" dirty="0"/>
               <a:t>front end</a:t>
             </a:r>
           </a:p>
@@ -3617,7 +3705,7 @@
         <p:spPr>
           <a:xfrm>
             <a:off x="6688935" y="1250482"/>
-            <a:ext cx="2140739" cy="523220"/>
+            <a:ext cx="2140739" cy="400110"/>
           </a:xfrm>
           <a:prstGeom prst="rect">
             <a:avLst/>
@@ -3632,18 +3720,18 @@
           <a:p>
             <a:pPr algn="ctr"/>
             <a:r>
-              <a:rPr lang="en-US" altLang="zh-CN" sz="1400" dirty="0"/>
+              <a:rPr lang="en-US" altLang="zh-CN" sz="1000" dirty="0"/>
               <a:t>get tasks whose </a:t>
             </a:r>
             <a:r>
-              <a:rPr lang="en-US" altLang="zh-CN" sz="1400" dirty="0" smtClean="0"/>
+              <a:rPr lang="en-US" altLang="zh-CN" sz="1000" dirty="0" smtClean="0"/>
               <a:t>execution </a:t>
             </a:r>
             <a:r>
-              <a:rPr lang="en-US" altLang="zh-CN" sz="1400" dirty="0"/>
+              <a:rPr lang="en-US" altLang="zh-CN" sz="1000" dirty="0"/>
               <a:t>time is reached</a:t>
             </a:r>
-            <a:endParaRPr lang="zh-CN" altLang="en-US" sz="1400" dirty="0"/>
+            <a:endParaRPr lang="zh-CN" altLang="en-US" sz="1000" dirty="0"/>
           </a:p>
         </p:txBody>
       </p:sp>
@@ -3656,7 +3744,7 @@
         <p:spPr>
           <a:xfrm>
             <a:off x="7053163" y="2667652"/>
-            <a:ext cx="2562431" cy="523220"/>
+            <a:ext cx="2562431" cy="400110"/>
           </a:xfrm>
           <a:prstGeom prst="rect">
             <a:avLst/>
@@ -3671,46 +3759,13 @@
           <a:p>
             <a:pPr algn="ctr"/>
             <a:r>
-              <a:rPr lang="en-US" altLang="zh-CN" sz="1400" dirty="0"/>
+              <a:rPr lang="en-US" altLang="zh-CN" sz="1000" dirty="0"/>
               <a:t>post the task to the target receiver specifyed by the task</a:t>
             </a:r>
-            <a:endParaRPr lang="zh-CN" altLang="en-US" sz="1400" dirty="0"/>
-          </a:p>
-        </p:txBody>
-      </p:sp>
-      <p:cxnSp>
-        <p:nvCxnSpPr>
-          <p:cNvPr id="81" name="直接箭头连接符 80"/>
-          <p:cNvCxnSpPr/>
-          <p:nvPr/>
-        </p:nvCxnSpPr>
-        <p:spPr>
-          <a:xfrm flipH="1">
-            <a:off x="7160421" y="3390907"/>
-            <a:ext cx="2400298" cy="3652"/>
-          </a:xfrm>
-          <a:prstGeom prst="straightConnector1">
-            <a:avLst/>
-          </a:prstGeom>
-          <a:ln>
-            <a:tailEnd type="triangle"/>
-          </a:ln>
-        </p:spPr>
-        <p:style>
-          <a:lnRef idx="1">
-            <a:schemeClr val="accent1"/>
-          </a:lnRef>
-          <a:fillRef idx="0">
-            <a:schemeClr val="accent1"/>
-          </a:fillRef>
-          <a:effectRef idx="0">
-            <a:schemeClr val="accent1"/>
-          </a:effectRef>
-          <a:fontRef idx="minor">
-            <a:schemeClr val="tx1"/>
-          </a:fontRef>
-        </p:style>
-      </p:cxnSp>
+            <a:endParaRPr lang="zh-CN" altLang="en-US" sz="1000" dirty="0"/>
+          </a:p>
+        </p:txBody>
+      </p:sp>
       <p:sp>
         <p:nvSpPr>
           <p:cNvPr id="87" name="文本框 86"/>
@@ -3720,7 +3775,7 @@
         <p:spPr>
           <a:xfrm>
             <a:off x="7302104" y="3479059"/>
-            <a:ext cx="2112169" cy="307777"/>
+            <a:ext cx="2112169" cy="246221"/>
           </a:xfrm>
           <a:prstGeom prst="rect">
             <a:avLst/>
@@ -3735,10 +3790,10 @@
           <a:p>
             <a:pPr algn="ctr"/>
             <a:r>
-              <a:rPr lang="en-US" altLang="zh-CN" sz="1400" dirty="0" smtClean="0"/>
+              <a:rPr lang="en-US" altLang="zh-CN" sz="1000" dirty="0" smtClean="0"/>
               <a:t>result for task execution</a:t>
             </a:r>
-            <a:endParaRPr lang="zh-CN" altLang="en-US" sz="1400" dirty="0"/>
+            <a:endParaRPr lang="zh-CN" altLang="en-US" sz="1000" dirty="0"/>
           </a:p>
         </p:txBody>
       </p:sp>
@@ -3787,10 +3842,10 @@
           <a:p>
             <a:pPr algn="ctr"/>
             <a:r>
-              <a:rPr lang="en-US" altLang="zh-CN" sz="1351" dirty="0"/>
+              <a:rPr lang="en-US" altLang="zh-CN" sz="1000" dirty="0"/>
               <a:t>redis</a:t>
             </a:r>
-            <a:endParaRPr lang="zh-CN" altLang="en-US" sz="1351" dirty="0"/>
+            <a:endParaRPr lang="zh-CN" altLang="en-US" sz="1000" dirty="0"/>
           </a:p>
         </p:txBody>
       </p:sp>
@@ -3839,7 +3894,7 @@
         <p:spPr>
           <a:xfrm>
             <a:off x="6618683" y="4626886"/>
-            <a:ext cx="2589607" cy="738664"/>
+            <a:ext cx="2589607" cy="553998"/>
           </a:xfrm>
           <a:prstGeom prst="rect">
             <a:avLst/>
@@ -3854,25 +3909,196 @@
           <a:p>
             <a:pPr algn="ctr"/>
             <a:r>
-              <a:rPr lang="en-US" altLang="zh-CN" sz="1400" dirty="0" smtClean="0"/>
+              <a:rPr lang="en-US" altLang="zh-CN" sz="1000" dirty="0" smtClean="0"/>
               <a:t>when task execution fails</a:t>
             </a:r>
           </a:p>
           <a:p>
             <a:pPr algn="ctr"/>
             <a:r>
-              <a:rPr lang="en-US" altLang="zh-CN" sz="1400" dirty="0" smtClean="0"/>
-              <a:t>transfer </a:t>
-            </a:r>
-            <a:r>
-              <a:rPr lang="en-US" altLang="zh-CN" sz="1400" dirty="0" smtClean="0"/>
-              <a:t>the task to retry </a:t>
-            </a:r>
-            <a:r>
-              <a:rPr lang="en-US" altLang="zh-CN" sz="1400" dirty="0" smtClean="0"/>
-              <a:t>queue with new execution time</a:t>
-            </a:r>
-            <a:endParaRPr lang="zh-CN" altLang="en-US" sz="1400" dirty="0"/>
+              <a:rPr lang="en-US" altLang="zh-CN" sz="1000" dirty="0" smtClean="0"/>
+              <a:t>transfer the task to retry queue with new execution time</a:t>
+            </a:r>
+            <a:endParaRPr lang="zh-CN" altLang="en-US" sz="1000" dirty="0"/>
+          </a:p>
+        </p:txBody>
+      </p:sp>
+      <p:sp>
+        <p:nvSpPr>
+          <p:cNvPr id="7" name="矩形 6"/>
+          <p:cNvSpPr/>
+          <p:nvPr/>
+        </p:nvSpPr>
+        <p:spPr>
+          <a:xfrm>
+            <a:off x="10128698" y="3795714"/>
+            <a:ext cx="1400175" cy="571500"/>
+          </a:xfrm>
+          <a:prstGeom prst="rect">
+            <a:avLst/>
+          </a:prstGeom>
+        </p:spPr>
+        <p:style>
+          <a:lnRef idx="2">
+            <a:schemeClr val="accent6">
+              <a:shade val="50000"/>
+            </a:schemeClr>
+          </a:lnRef>
+          <a:fillRef idx="1">
+            <a:schemeClr val="accent6"/>
+          </a:fillRef>
+          <a:effectRef idx="0">
+            <a:schemeClr val="accent6"/>
+          </a:effectRef>
+          <a:fontRef idx="minor">
+            <a:schemeClr val="lt1"/>
+          </a:fontRef>
+        </p:style>
+        <p:txBody>
+          <a:bodyPr rtlCol="0" anchor="ctr"/>
+          <a:lstStyle/>
+          <a:p>
+            <a:pPr algn="ctr"/>
+            <a:r>
+              <a:rPr lang="en-US" altLang="zh-CN" sz="1000" dirty="0" smtClean="0"/>
+              <a:t>task invocation</a:t>
+            </a:r>
+            <a:endParaRPr lang="zh-CN" altLang="en-US" sz="1000" dirty="0"/>
+          </a:p>
+        </p:txBody>
+      </p:sp>
+      <p:cxnSp>
+        <p:nvCxnSpPr>
+          <p:cNvPr id="81" name="直接箭头连接符 80"/>
+          <p:cNvCxnSpPr/>
+          <p:nvPr/>
+        </p:nvCxnSpPr>
+        <p:spPr>
+          <a:xfrm flipH="1">
+            <a:off x="7160421" y="3390907"/>
+            <a:ext cx="2400298" cy="3652"/>
+          </a:xfrm>
+          <a:prstGeom prst="straightConnector1">
+            <a:avLst/>
+          </a:prstGeom>
+          <a:ln>
+            <a:tailEnd type="triangle"/>
+          </a:ln>
+        </p:spPr>
+        <p:style>
+          <a:lnRef idx="1">
+            <a:schemeClr val="accent1"/>
+          </a:lnRef>
+          <a:fillRef idx="0">
+            <a:schemeClr val="accent1"/>
+          </a:fillRef>
+          <a:effectRef idx="0">
+            <a:schemeClr val="accent1"/>
+          </a:effectRef>
+          <a:fontRef idx="minor">
+            <a:schemeClr val="tx1"/>
+          </a:fontRef>
+        </p:style>
+      </p:cxnSp>
+      <p:sp>
+        <p:nvSpPr>
+          <p:cNvPr id="12" name="文本框 11"/>
+          <p:cNvSpPr txBox="1"/>
+          <p:nvPr/>
+        </p:nvSpPr>
+        <p:spPr>
+          <a:xfrm>
+            <a:off x="991789" y="2147294"/>
+            <a:ext cx="1562103" cy="338554"/>
+          </a:xfrm>
+          <a:prstGeom prst="rect">
+            <a:avLst/>
+          </a:prstGeom>
+          <a:noFill/>
+        </p:spPr>
+        <p:txBody>
+          <a:bodyPr wrap="square" rtlCol="0">
+            <a:spAutoFit/>
+          </a:bodyPr>
+          <a:lstStyle/>
+          <a:p>
+            <a:pPr algn="ctr"/>
+            <a:r>
+              <a:rPr lang="en-US" altLang="zh-CN" sz="1600" dirty="0" smtClean="0"/>
+              <a:t>application  A</a:t>
+            </a:r>
+            <a:endParaRPr lang="zh-CN" altLang="en-US" sz="1600" dirty="0"/>
+          </a:p>
+        </p:txBody>
+      </p:sp>
+      <p:sp>
+        <p:nvSpPr>
+          <p:cNvPr id="13" name="文本框 12"/>
+          <p:cNvSpPr txBox="1"/>
+          <p:nvPr/>
+        </p:nvSpPr>
+        <p:spPr>
+          <a:xfrm>
+            <a:off x="10018516" y="2087893"/>
+            <a:ext cx="1400175" cy="369204"/>
+          </a:xfrm>
+          <a:prstGeom prst="rect">
+            <a:avLst/>
+          </a:prstGeom>
+          <a:noFill/>
+        </p:spPr>
+        <p:txBody>
+          <a:bodyPr wrap="square" rtlCol="0">
+            <a:spAutoFit/>
+          </a:bodyPr>
+          <a:lstStyle/>
+          <a:p>
+            <a:pPr algn="ctr"/>
+            <a:r>
+              <a:rPr lang="en-US" altLang="zh-CN" dirty="0" smtClean="0"/>
+              <a:t>application B</a:t>
+            </a:r>
+            <a:endParaRPr lang="zh-CN" altLang="en-US" dirty="0"/>
+          </a:p>
+        </p:txBody>
+      </p:sp>
+      <p:sp>
+        <p:nvSpPr>
+          <p:cNvPr id="14" name="下箭头 13"/>
+          <p:cNvSpPr/>
+          <p:nvPr/>
+        </p:nvSpPr>
+        <p:spPr>
+          <a:xfrm>
+            <a:off x="10674547" y="3571875"/>
+            <a:ext cx="222053" cy="219077"/>
+          </a:xfrm>
+          <a:prstGeom prst="downArrow">
+            <a:avLst/>
+          </a:prstGeom>
+        </p:spPr>
+        <p:style>
+          <a:lnRef idx="2">
+            <a:schemeClr val="accent1">
+              <a:shade val="50000"/>
+            </a:schemeClr>
+          </a:lnRef>
+          <a:fillRef idx="1">
+            <a:schemeClr val="accent1"/>
+          </a:fillRef>
+          <a:effectRef idx="0">
+            <a:schemeClr val="accent1"/>
+          </a:effectRef>
+          <a:fontRef idx="minor">
+            <a:schemeClr val="lt1"/>
+          </a:fontRef>
+        </p:style>
+        <p:txBody>
+          <a:bodyPr rtlCol="0" anchor="ctr"/>
+          <a:lstStyle/>
+          <a:p>
+            <a:pPr algn="ctr"/>
+            <a:endParaRPr lang="zh-CN" altLang="en-US"/>
           </a:p>
         </p:txBody>
       </p:sp>

--- a/rdelay.pptx
+++ b/rdelay.pptx
@@ -243,7 +243,7 @@
           <a:p>
             <a:fld id="{48894B9B-904B-49A6-BEA7-A1B44D76B27B}" type="datetimeFigureOut">
               <a:rPr lang="zh-CN" altLang="en-US" smtClean="0"/>
-              <a:t>2019/9/10</a:t>
+              <a:t>2019/9/12</a:t>
             </a:fld>
             <a:endParaRPr lang="zh-CN" altLang="en-US"/>
           </a:p>
@@ -413,7 +413,7 @@
           <a:p>
             <a:fld id="{48894B9B-904B-49A6-BEA7-A1B44D76B27B}" type="datetimeFigureOut">
               <a:rPr lang="zh-CN" altLang="en-US" smtClean="0"/>
-              <a:t>2019/9/10</a:t>
+              <a:t>2019/9/12</a:t>
             </a:fld>
             <a:endParaRPr lang="zh-CN" altLang="en-US"/>
           </a:p>
@@ -593,7 +593,7 @@
           <a:p>
             <a:fld id="{48894B9B-904B-49A6-BEA7-A1B44D76B27B}" type="datetimeFigureOut">
               <a:rPr lang="zh-CN" altLang="en-US" smtClean="0"/>
-              <a:t>2019/9/10</a:t>
+              <a:t>2019/9/12</a:t>
             </a:fld>
             <a:endParaRPr lang="zh-CN" altLang="en-US"/>
           </a:p>
@@ -763,7 +763,7 @@
           <a:p>
             <a:fld id="{48894B9B-904B-49A6-BEA7-A1B44D76B27B}" type="datetimeFigureOut">
               <a:rPr lang="zh-CN" altLang="en-US" smtClean="0"/>
-              <a:t>2019/9/10</a:t>
+              <a:t>2019/9/12</a:t>
             </a:fld>
             <a:endParaRPr lang="zh-CN" altLang="en-US"/>
           </a:p>
@@ -1009,7 +1009,7 @@
           <a:p>
             <a:fld id="{48894B9B-904B-49A6-BEA7-A1B44D76B27B}" type="datetimeFigureOut">
               <a:rPr lang="zh-CN" altLang="en-US" smtClean="0"/>
-              <a:t>2019/9/10</a:t>
+              <a:t>2019/9/12</a:t>
             </a:fld>
             <a:endParaRPr lang="zh-CN" altLang="en-US"/>
           </a:p>
@@ -1241,7 +1241,7 @@
           <a:p>
             <a:fld id="{48894B9B-904B-49A6-BEA7-A1B44D76B27B}" type="datetimeFigureOut">
               <a:rPr lang="zh-CN" altLang="en-US" smtClean="0"/>
-              <a:t>2019/9/10</a:t>
+              <a:t>2019/9/12</a:t>
             </a:fld>
             <a:endParaRPr lang="zh-CN" altLang="en-US"/>
           </a:p>
@@ -1608,7 +1608,7 @@
           <a:p>
             <a:fld id="{48894B9B-904B-49A6-BEA7-A1B44D76B27B}" type="datetimeFigureOut">
               <a:rPr lang="zh-CN" altLang="en-US" smtClean="0"/>
-              <a:t>2019/9/10</a:t>
+              <a:t>2019/9/12</a:t>
             </a:fld>
             <a:endParaRPr lang="zh-CN" altLang="en-US"/>
           </a:p>
@@ -1726,7 +1726,7 @@
           <a:p>
             <a:fld id="{48894B9B-904B-49A6-BEA7-A1B44D76B27B}" type="datetimeFigureOut">
               <a:rPr lang="zh-CN" altLang="en-US" smtClean="0"/>
-              <a:t>2019/9/10</a:t>
+              <a:t>2019/9/12</a:t>
             </a:fld>
             <a:endParaRPr lang="zh-CN" altLang="en-US"/>
           </a:p>
@@ -1821,7 +1821,7 @@
           <a:p>
             <a:fld id="{48894B9B-904B-49A6-BEA7-A1B44D76B27B}" type="datetimeFigureOut">
               <a:rPr lang="zh-CN" altLang="en-US" smtClean="0"/>
-              <a:t>2019/9/10</a:t>
+              <a:t>2019/9/12</a:t>
             </a:fld>
             <a:endParaRPr lang="zh-CN" altLang="en-US"/>
           </a:p>
@@ -2098,7 +2098,7 @@
           <a:p>
             <a:fld id="{48894B9B-904B-49A6-BEA7-A1B44D76B27B}" type="datetimeFigureOut">
               <a:rPr lang="zh-CN" altLang="en-US" smtClean="0"/>
-              <a:t>2019/9/10</a:t>
+              <a:t>2019/9/12</a:t>
             </a:fld>
             <a:endParaRPr lang="zh-CN" altLang="en-US"/>
           </a:p>
@@ -2351,7 +2351,7 @@
           <a:p>
             <a:fld id="{48894B9B-904B-49A6-BEA7-A1B44D76B27B}" type="datetimeFigureOut">
               <a:rPr lang="zh-CN" altLang="en-US" smtClean="0"/>
-              <a:t>2019/9/10</a:t>
+              <a:t>2019/9/12</a:t>
             </a:fld>
             <a:endParaRPr lang="zh-CN" altLang="en-US"/>
           </a:p>
@@ -2564,7 +2564,7 @@
           <a:p>
             <a:fld id="{48894B9B-904B-49A6-BEA7-A1B44D76B27B}" type="datetimeFigureOut">
               <a:rPr lang="zh-CN" altLang="en-US" smtClean="0"/>
-              <a:t>2019/9/10</a:t>
+              <a:t>2019/9/12</a:t>
             </a:fld>
             <a:endParaRPr lang="zh-CN" altLang="en-US"/>
           </a:p>
@@ -2978,7 +2978,7 @@
         <p:spPr>
           <a:xfrm>
             <a:off x="437011" y="1866723"/>
-            <a:ext cx="2671660" cy="2500313"/>
+            <a:ext cx="2671660" cy="2901220"/>
           </a:xfrm>
           <a:prstGeom prst="rect">
             <a:avLst/>
@@ -3020,7 +3020,7 @@
         <p:spPr>
           <a:xfrm>
             <a:off x="9426184" y="1871663"/>
-            <a:ext cx="2584841" cy="2500313"/>
+            <a:ext cx="2584841" cy="3090862"/>
           </a:xfrm>
           <a:prstGeom prst="rect">
             <a:avLst/>
@@ -3931,8 +3931,8 @@
         </p:nvSpPr>
         <p:spPr>
           <a:xfrm>
-            <a:off x="10128698" y="3795714"/>
-            <a:ext cx="1400175" cy="571500"/>
+            <a:off x="10298954" y="3790952"/>
+            <a:ext cx="1062259" cy="426486"/>
           </a:xfrm>
           <a:prstGeom prst="rect">
             <a:avLst/>
@@ -4070,7 +4070,7 @@
         </p:nvSpPr>
         <p:spPr>
           <a:xfrm>
-            <a:off x="10674547" y="3571875"/>
+            <a:off x="10298954" y="3571875"/>
             <a:ext cx="222053" cy="219077"/>
           </a:xfrm>
           <a:prstGeom prst="downArrow">
@@ -4099,6 +4099,272 @@
           <a:p>
             <a:pPr algn="ctr"/>
             <a:endParaRPr lang="zh-CN" altLang="en-US"/>
+          </a:p>
+        </p:txBody>
+      </p:sp>
+      <p:sp>
+        <p:nvSpPr>
+          <p:cNvPr id="2" name="矩形 1"/>
+          <p:cNvSpPr/>
+          <p:nvPr/>
+        </p:nvSpPr>
+        <p:spPr>
+          <a:xfrm>
+            <a:off x="1172765" y="3925221"/>
+            <a:ext cx="1200150" cy="384841"/>
+          </a:xfrm>
+          <a:prstGeom prst="rect">
+            <a:avLst/>
+          </a:prstGeom>
+          <a:solidFill>
+            <a:schemeClr val="accent4">
+              <a:lumMod val="20000"/>
+              <a:lumOff val="80000"/>
+            </a:schemeClr>
+          </a:solidFill>
+        </p:spPr>
+        <p:style>
+          <a:lnRef idx="2">
+            <a:schemeClr val="accent1">
+              <a:shade val="50000"/>
+            </a:schemeClr>
+          </a:lnRef>
+          <a:fillRef idx="1">
+            <a:schemeClr val="accent1"/>
+          </a:fillRef>
+          <a:effectRef idx="0">
+            <a:schemeClr val="accent1"/>
+          </a:effectRef>
+          <a:fontRef idx="minor">
+            <a:schemeClr val="lt1"/>
+          </a:fontRef>
+        </p:style>
+        <p:txBody>
+          <a:bodyPr rtlCol="0" anchor="ctr"/>
+          <a:lstStyle/>
+          <a:p>
+            <a:pPr algn="ctr"/>
+            <a:r>
+              <a:rPr lang="en-US" altLang="zh-CN" sz="1000" dirty="0" smtClean="0">
+                <a:solidFill>
+                  <a:schemeClr val="tx1"/>
+                </a:solidFill>
+              </a:rPr>
+              <a:t>task creation</a:t>
+            </a:r>
+            <a:endParaRPr lang="zh-CN" altLang="en-US" sz="1000" dirty="0">
+              <a:solidFill>
+                <a:schemeClr val="tx1"/>
+              </a:solidFill>
+            </a:endParaRPr>
+          </a:p>
+        </p:txBody>
+      </p:sp>
+      <p:sp>
+        <p:nvSpPr>
+          <p:cNvPr id="3" name="右箭头 2"/>
+          <p:cNvSpPr/>
+          <p:nvPr/>
+        </p:nvSpPr>
+        <p:spPr>
+          <a:xfrm rot="16200000">
+            <a:off x="1134742" y="3619424"/>
+            <a:ext cx="324028" cy="247981"/>
+          </a:xfrm>
+          <a:prstGeom prst="rightArrow">
+            <a:avLst/>
+          </a:prstGeom>
+        </p:spPr>
+        <p:style>
+          <a:lnRef idx="2">
+            <a:schemeClr val="accent1">
+              <a:shade val="50000"/>
+            </a:schemeClr>
+          </a:lnRef>
+          <a:fillRef idx="1">
+            <a:schemeClr val="accent1"/>
+          </a:fillRef>
+          <a:effectRef idx="0">
+            <a:schemeClr val="accent1"/>
+          </a:effectRef>
+          <a:fontRef idx="minor">
+            <a:schemeClr val="lt1"/>
+          </a:fontRef>
+        </p:style>
+        <p:txBody>
+          <a:bodyPr rtlCol="0" anchor="ctr"/>
+          <a:lstStyle/>
+          <a:p>
+            <a:pPr algn="ctr"/>
+            <a:endParaRPr lang="zh-CN" altLang="en-US"/>
+          </a:p>
+        </p:txBody>
+      </p:sp>
+      <p:sp>
+        <p:nvSpPr>
+          <p:cNvPr id="32" name="下箭头 31"/>
+          <p:cNvSpPr/>
+          <p:nvPr/>
+        </p:nvSpPr>
+        <p:spPr>
+          <a:xfrm rot="10800000">
+            <a:off x="11136897" y="3561783"/>
+            <a:ext cx="256880" cy="229169"/>
+          </a:xfrm>
+          <a:prstGeom prst="downArrow">
+            <a:avLst/>
+          </a:prstGeom>
+        </p:spPr>
+        <p:style>
+          <a:lnRef idx="2">
+            <a:schemeClr val="accent1">
+              <a:shade val="50000"/>
+            </a:schemeClr>
+          </a:lnRef>
+          <a:fillRef idx="1">
+            <a:schemeClr val="accent1"/>
+          </a:fillRef>
+          <a:effectRef idx="0">
+            <a:schemeClr val="accent1"/>
+          </a:effectRef>
+          <a:fontRef idx="minor">
+            <a:schemeClr val="lt1"/>
+          </a:fontRef>
+        </p:style>
+        <p:txBody>
+          <a:bodyPr rtlCol="0" anchor="ctr"/>
+          <a:lstStyle/>
+          <a:p>
+            <a:pPr algn="ctr"/>
+            <a:endParaRPr lang="zh-CN" altLang="en-US"/>
+          </a:p>
+        </p:txBody>
+      </p:sp>
+      <p:sp>
+        <p:nvSpPr>
+          <p:cNvPr id="33" name="右箭头 32"/>
+          <p:cNvSpPr/>
+          <p:nvPr/>
+        </p:nvSpPr>
+        <p:spPr>
+          <a:xfrm rot="5400000">
+            <a:off x="2042365" y="3613715"/>
+            <a:ext cx="353343" cy="269670"/>
+          </a:xfrm>
+          <a:prstGeom prst="rightArrow">
+            <a:avLst/>
+          </a:prstGeom>
+        </p:spPr>
+        <p:style>
+          <a:lnRef idx="2">
+            <a:schemeClr val="accent1">
+              <a:shade val="50000"/>
+            </a:schemeClr>
+          </a:lnRef>
+          <a:fillRef idx="1">
+            <a:schemeClr val="accent1"/>
+          </a:fillRef>
+          <a:effectRef idx="0">
+            <a:schemeClr val="accent1"/>
+          </a:effectRef>
+          <a:fontRef idx="minor">
+            <a:schemeClr val="lt1"/>
+          </a:fontRef>
+        </p:style>
+        <p:txBody>
+          <a:bodyPr rtlCol="0" anchor="ctr"/>
+          <a:lstStyle/>
+          <a:p>
+            <a:pPr algn="ctr"/>
+            <a:endParaRPr lang="zh-CN" altLang="en-US"/>
+          </a:p>
+        </p:txBody>
+      </p:sp>
+      <p:sp>
+        <p:nvSpPr>
+          <p:cNvPr id="34" name="矩形 33"/>
+          <p:cNvSpPr/>
+          <p:nvPr/>
+        </p:nvSpPr>
+        <p:spPr>
+          <a:xfrm>
+            <a:off x="9630193" y="4299929"/>
+            <a:ext cx="997009" cy="412701"/>
+          </a:xfrm>
+          <a:prstGeom prst="rect">
+            <a:avLst/>
+          </a:prstGeom>
+        </p:spPr>
+        <p:style>
+          <a:lnRef idx="2">
+            <a:schemeClr val="accent6">
+              <a:shade val="50000"/>
+            </a:schemeClr>
+          </a:lnRef>
+          <a:fillRef idx="1">
+            <a:schemeClr val="accent6"/>
+          </a:fillRef>
+          <a:effectRef idx="0">
+            <a:schemeClr val="accent6"/>
+          </a:effectRef>
+          <a:fontRef idx="minor">
+            <a:schemeClr val="lt1"/>
+          </a:fontRef>
+        </p:style>
+        <p:txBody>
+          <a:bodyPr rtlCol="0" anchor="ctr"/>
+          <a:lstStyle/>
+          <a:p>
+            <a:pPr algn="ctr"/>
+            <a:r>
+              <a:rPr lang="en-US" altLang="zh-CN" sz="1000" dirty="0" smtClean="0"/>
+              <a:t>text</a:t>
+            </a:r>
+            <a:endParaRPr lang="zh-CN" altLang="en-US" sz="1000" dirty="0"/>
+          </a:p>
+        </p:txBody>
+      </p:sp>
+      <p:sp>
+        <p:nvSpPr>
+          <p:cNvPr id="35" name="矩形 34"/>
+          <p:cNvSpPr/>
+          <p:nvPr/>
+        </p:nvSpPr>
+        <p:spPr>
+          <a:xfrm>
+            <a:off x="10859470" y="4307319"/>
+            <a:ext cx="1062259" cy="400356"/>
+          </a:xfrm>
+          <a:prstGeom prst="rect">
+            <a:avLst/>
+          </a:prstGeom>
+        </p:spPr>
+        <p:style>
+          <a:lnRef idx="2">
+            <a:schemeClr val="accent6">
+              <a:shade val="50000"/>
+            </a:schemeClr>
+          </a:lnRef>
+          <a:fillRef idx="1">
+            <a:schemeClr val="accent6"/>
+          </a:fillRef>
+          <a:effectRef idx="0">
+            <a:schemeClr val="accent6"/>
+          </a:effectRef>
+          <a:fontRef idx="minor">
+            <a:schemeClr val="lt1"/>
+          </a:fontRef>
+        </p:style>
+        <p:txBody>
+          <a:bodyPr rtlCol="0" anchor="ctr"/>
+          <a:lstStyle/>
+          <a:p>
+            <a:pPr algn="ctr"/>
+            <a:r>
+              <a:rPr lang="en-US" altLang="zh-CN" sz="1000" dirty="0" smtClean="0"/>
+              <a:t>reflection</a:t>
+            </a:r>
+            <a:endParaRPr lang="zh-CN" altLang="en-US" sz="1000" dirty="0"/>
           </a:p>
         </p:txBody>
       </p:sp>

--- a/rdelay.pptx
+++ b/rdelay.pptx
@@ -6,6 +6,7 @@
   </p:sldMasterIdLst>
   <p:sldIdLst>
     <p:sldId id="256" r:id="rId2"/>
+    <p:sldId id="257" r:id="rId3"/>
   </p:sldIdLst>
   <p:sldSz cx="12192000" cy="6858000"/>
   <p:notesSz cx="6858000" cy="9144000"/>
@@ -243,7 +244,7 @@
           <a:p>
             <a:fld id="{48894B9B-904B-49A6-BEA7-A1B44D76B27B}" type="datetimeFigureOut">
               <a:rPr lang="zh-CN" altLang="en-US" smtClean="0"/>
-              <a:t>2019/9/12</a:t>
+              <a:t>2019/9/15</a:t>
             </a:fld>
             <a:endParaRPr lang="zh-CN" altLang="en-US"/>
           </a:p>
@@ -413,7 +414,7 @@
           <a:p>
             <a:fld id="{48894B9B-904B-49A6-BEA7-A1B44D76B27B}" type="datetimeFigureOut">
               <a:rPr lang="zh-CN" altLang="en-US" smtClean="0"/>
-              <a:t>2019/9/12</a:t>
+              <a:t>2019/9/15</a:t>
             </a:fld>
             <a:endParaRPr lang="zh-CN" altLang="en-US"/>
           </a:p>
@@ -593,7 +594,7 @@
           <a:p>
             <a:fld id="{48894B9B-904B-49A6-BEA7-A1B44D76B27B}" type="datetimeFigureOut">
               <a:rPr lang="zh-CN" altLang="en-US" smtClean="0"/>
-              <a:t>2019/9/12</a:t>
+              <a:t>2019/9/15</a:t>
             </a:fld>
             <a:endParaRPr lang="zh-CN" altLang="en-US"/>
           </a:p>
@@ -763,7 +764,7 @@
           <a:p>
             <a:fld id="{48894B9B-904B-49A6-BEA7-A1B44D76B27B}" type="datetimeFigureOut">
               <a:rPr lang="zh-CN" altLang="en-US" smtClean="0"/>
-              <a:t>2019/9/12</a:t>
+              <a:t>2019/9/15</a:t>
             </a:fld>
             <a:endParaRPr lang="zh-CN" altLang="en-US"/>
           </a:p>
@@ -1009,7 +1010,7 @@
           <a:p>
             <a:fld id="{48894B9B-904B-49A6-BEA7-A1B44D76B27B}" type="datetimeFigureOut">
               <a:rPr lang="zh-CN" altLang="en-US" smtClean="0"/>
-              <a:t>2019/9/12</a:t>
+              <a:t>2019/9/15</a:t>
             </a:fld>
             <a:endParaRPr lang="zh-CN" altLang="en-US"/>
           </a:p>
@@ -1241,7 +1242,7 @@
           <a:p>
             <a:fld id="{48894B9B-904B-49A6-BEA7-A1B44D76B27B}" type="datetimeFigureOut">
               <a:rPr lang="zh-CN" altLang="en-US" smtClean="0"/>
-              <a:t>2019/9/12</a:t>
+              <a:t>2019/9/15</a:t>
             </a:fld>
             <a:endParaRPr lang="zh-CN" altLang="en-US"/>
           </a:p>
@@ -1608,7 +1609,7 @@
           <a:p>
             <a:fld id="{48894B9B-904B-49A6-BEA7-A1B44D76B27B}" type="datetimeFigureOut">
               <a:rPr lang="zh-CN" altLang="en-US" smtClean="0"/>
-              <a:t>2019/9/12</a:t>
+              <a:t>2019/9/15</a:t>
             </a:fld>
             <a:endParaRPr lang="zh-CN" altLang="en-US"/>
           </a:p>
@@ -1726,7 +1727,7 @@
           <a:p>
             <a:fld id="{48894B9B-904B-49A6-BEA7-A1B44D76B27B}" type="datetimeFigureOut">
               <a:rPr lang="zh-CN" altLang="en-US" smtClean="0"/>
-              <a:t>2019/9/12</a:t>
+              <a:t>2019/9/15</a:t>
             </a:fld>
             <a:endParaRPr lang="zh-CN" altLang="en-US"/>
           </a:p>
@@ -1821,7 +1822,7 @@
           <a:p>
             <a:fld id="{48894B9B-904B-49A6-BEA7-A1B44D76B27B}" type="datetimeFigureOut">
               <a:rPr lang="zh-CN" altLang="en-US" smtClean="0"/>
-              <a:t>2019/9/12</a:t>
+              <a:t>2019/9/15</a:t>
             </a:fld>
             <a:endParaRPr lang="zh-CN" altLang="en-US"/>
           </a:p>
@@ -2098,7 +2099,7 @@
           <a:p>
             <a:fld id="{48894B9B-904B-49A6-BEA7-A1B44D76B27B}" type="datetimeFigureOut">
               <a:rPr lang="zh-CN" altLang="en-US" smtClean="0"/>
-              <a:t>2019/9/12</a:t>
+              <a:t>2019/9/15</a:t>
             </a:fld>
             <a:endParaRPr lang="zh-CN" altLang="en-US"/>
           </a:p>
@@ -2351,7 +2352,7 @@
           <a:p>
             <a:fld id="{48894B9B-904B-49A6-BEA7-A1B44D76B27B}" type="datetimeFigureOut">
               <a:rPr lang="zh-CN" altLang="en-US" smtClean="0"/>
-              <a:t>2019/9/12</a:t>
+              <a:t>2019/9/15</a:t>
             </a:fld>
             <a:endParaRPr lang="zh-CN" altLang="en-US"/>
           </a:p>
@@ -2564,7 +2565,7 @@
           <a:p>
             <a:fld id="{48894B9B-904B-49A6-BEA7-A1B44D76B27B}" type="datetimeFigureOut">
               <a:rPr lang="zh-CN" altLang="en-US" smtClean="0"/>
-              <a:t>2019/9/12</a:t>
+              <a:t>2019/9/15</a:t>
             </a:fld>
             <a:endParaRPr lang="zh-CN" altLang="en-US"/>
           </a:p>
@@ -2977,8 +2978,8 @@
         </p:nvSpPr>
         <p:spPr>
           <a:xfrm>
-            <a:off x="437011" y="1866723"/>
-            <a:ext cx="2671660" cy="2901220"/>
+            <a:off x="479427" y="2582335"/>
+            <a:ext cx="2527643" cy="1930398"/>
           </a:xfrm>
           <a:prstGeom prst="rect">
             <a:avLst/>
@@ -3003,7 +3004,7 @@
           <a:lstStyle/>
           <a:p>
             <a:pPr algn="ctr"/>
-            <a:endParaRPr lang="zh-CN" altLang="en-US" dirty="0">
+            <a:endParaRPr lang="zh-CN" altLang="en-US" sz="1000" dirty="0">
               <a:solidFill>
                 <a:schemeClr val="tx1"/>
               </a:solidFill>
@@ -3019,8 +3020,8 @@
         </p:nvSpPr>
         <p:spPr>
           <a:xfrm>
-            <a:off x="9426184" y="1871663"/>
-            <a:ext cx="2584841" cy="3090862"/>
+            <a:off x="9324584" y="2582334"/>
+            <a:ext cx="2584841" cy="2693457"/>
           </a:xfrm>
           <a:prstGeom prst="rect">
             <a:avLst/>
@@ -3045,7 +3046,7 @@
           <a:lstStyle/>
           <a:p>
             <a:pPr algn="ctr"/>
-            <a:endParaRPr lang="zh-CN" altLang="en-US"/>
+            <a:endParaRPr lang="zh-CN" altLang="en-US" sz="1000"/>
           </a:p>
         </p:txBody>
       </p:sp>
@@ -3057,14 +3058,14 @@
         </p:nvSpPr>
         <p:spPr>
           <a:xfrm>
-            <a:off x="4943477" y="2071688"/>
-            <a:ext cx="2209799" cy="2238375"/>
+            <a:off x="4841877" y="2405552"/>
+            <a:ext cx="2209799" cy="2217778"/>
           </a:xfrm>
           <a:prstGeom prst="rect">
             <a:avLst/>
           </a:prstGeom>
           <a:solidFill>
-            <a:schemeClr val="bg2"/>
+            <a:schemeClr val="accent3"/>
           </a:solidFill>
         </p:spPr>
         <p:style>
@@ -3103,8 +3104,8 @@
         </p:nvSpPr>
         <p:spPr>
           <a:xfrm>
-            <a:off x="619128" y="2809875"/>
-            <a:ext cx="2314575" cy="762000"/>
+            <a:off x="648593" y="3411407"/>
+            <a:ext cx="2183510" cy="504029"/>
           </a:xfrm>
           <a:prstGeom prst="rect">
             <a:avLst/>
@@ -3138,8 +3139,8 @@
           <a:p>
             <a:pPr algn="ctr"/>
             <a:r>
-              <a:rPr lang="en-US" altLang="zh-CN" sz="1000" dirty="0"/>
-              <a:t>rdelay-client-sender</a:t>
+              <a:rPr lang="en-US" altLang="zh-CN" sz="1000" dirty="0" smtClean="0"/>
+              <a:t>rdelay-cli</a:t>
             </a:r>
             <a:endParaRPr lang="zh-CN" altLang="en-US" sz="1000" dirty="0"/>
           </a:p>
@@ -3153,7 +3154,7 @@
         </p:nvSpPr>
         <p:spPr>
           <a:xfrm>
-            <a:off x="9563101" y="2809875"/>
+            <a:off x="9461501" y="3123142"/>
             <a:ext cx="2352675" cy="762000"/>
           </a:xfrm>
           <a:prstGeom prst="rect">
@@ -3209,15 +3210,14 @@
         <p:nvCxnSpPr>
           <p:cNvPr id="10" name="肘形连接符 9"/>
           <p:cNvCxnSpPr>
-            <a:stCxn id="5" idx="3"/>
             <a:endCxn id="4" idx="1"/>
           </p:cNvCxnSpPr>
           <p:nvPr/>
         </p:nvCxnSpPr>
         <p:spPr>
-          <a:xfrm flipV="1">
-            <a:off x="2933703" y="3190876"/>
-            <a:ext cx="2009775" cy="1"/>
+          <a:xfrm>
+            <a:off x="2852338" y="3488525"/>
+            <a:ext cx="1989539" cy="25916"/>
           </a:xfrm>
           <a:prstGeom prst="bentConnector3">
             <a:avLst>
@@ -3253,9 +3253,9 @@
           <p:nvPr/>
         </p:nvCxnSpPr>
         <p:spPr>
-          <a:xfrm>
-            <a:off x="7153276" y="3190876"/>
-            <a:ext cx="2409825" cy="1"/>
+          <a:xfrm flipV="1">
+            <a:off x="7051676" y="3504142"/>
+            <a:ext cx="2409825" cy="10299"/>
           </a:xfrm>
           <a:prstGeom prst="bentConnector3">
             <a:avLst/>
@@ -3279,22 +3279,204 @@
           </a:fontRef>
         </p:style>
       </p:cxnSp>
-      <p:sp>
-        <p:nvSpPr>
-          <p:cNvPr id="19" name="椭圆 18"/>
+      <p:cxnSp>
+        <p:nvCxnSpPr>
+          <p:cNvPr id="22" name="肘形连接符 21"/>
+          <p:cNvCxnSpPr/>
+          <p:nvPr/>
+        </p:nvCxnSpPr>
+        <p:spPr>
+          <a:xfrm rot="10800000">
+            <a:off x="2832103" y="3704174"/>
+            <a:ext cx="2009772" cy="7303"/>
+          </a:xfrm>
+          <a:prstGeom prst="bentConnector3">
+            <a:avLst/>
+          </a:prstGeom>
+          <a:ln>
+            <a:tailEnd type="triangle"/>
+          </a:ln>
+        </p:spPr>
+        <p:style>
+          <a:lnRef idx="1">
+            <a:schemeClr val="accent1"/>
+          </a:lnRef>
+          <a:fillRef idx="0">
+            <a:schemeClr val="accent1"/>
+          </a:fillRef>
+          <a:effectRef idx="0">
+            <a:schemeClr val="accent1"/>
+          </a:effectRef>
+          <a:fontRef idx="minor">
+            <a:schemeClr val="tx1"/>
+          </a:fontRef>
+        </p:style>
+      </p:cxnSp>
+      <p:sp>
+        <p:nvSpPr>
+          <p:cNvPr id="27" name="文本框 26"/>
+          <p:cNvSpPr txBox="1"/>
+          <p:nvPr/>
+        </p:nvSpPr>
+        <p:spPr>
+          <a:xfrm>
+            <a:off x="3001268" y="3242304"/>
+            <a:ext cx="1905000" cy="246221"/>
+          </a:xfrm>
+          <a:prstGeom prst="rect">
+            <a:avLst/>
+          </a:prstGeom>
+          <a:noFill/>
+        </p:spPr>
+        <p:txBody>
+          <a:bodyPr wrap="square" rtlCol="0">
+            <a:spAutoFit/>
+          </a:bodyPr>
+          <a:lstStyle/>
+          <a:p>
+            <a:pPr algn="ctr"/>
+            <a:r>
+              <a:rPr lang="en-US" altLang="zh-CN" sz="1000" dirty="0"/>
+              <a:t>request to create task</a:t>
+            </a:r>
+            <a:endParaRPr lang="zh-CN" altLang="en-US" sz="1000" dirty="0"/>
+          </a:p>
+        </p:txBody>
+      </p:sp>
+      <p:sp>
+        <p:nvSpPr>
+          <p:cNvPr id="38" name="文本框 37"/>
+          <p:cNvSpPr txBox="1"/>
+          <p:nvPr/>
+        </p:nvSpPr>
+        <p:spPr>
+          <a:xfrm>
+            <a:off x="2852338" y="3711478"/>
+            <a:ext cx="2138365" cy="246221"/>
+          </a:xfrm>
+          <a:prstGeom prst="rect">
+            <a:avLst/>
+          </a:prstGeom>
+          <a:noFill/>
+        </p:spPr>
+        <p:txBody>
+          <a:bodyPr wrap="square" rtlCol="0">
+            <a:spAutoFit/>
+          </a:bodyPr>
+          <a:lstStyle/>
+          <a:p>
+            <a:pPr algn="ctr"/>
+            <a:r>
+              <a:rPr lang="en-US" altLang="zh-CN" sz="1000" dirty="0"/>
+              <a:t>response for task creation</a:t>
+            </a:r>
+            <a:endParaRPr lang="zh-CN" altLang="en-US" sz="1000" dirty="0"/>
+          </a:p>
+        </p:txBody>
+      </p:sp>
+      <p:cxnSp>
+        <p:nvCxnSpPr>
+          <p:cNvPr id="42" name="肘形连接符 41"/>
+          <p:cNvCxnSpPr>
+            <a:endCxn id="96" idx="1"/>
+          </p:cNvCxnSpPr>
+          <p:nvPr/>
+        </p:nvCxnSpPr>
+        <p:spPr>
+          <a:xfrm rot="5400000">
+            <a:off x="4398409" y="4940591"/>
+            <a:ext cx="1823851" cy="72930"/>
+          </a:xfrm>
+          <a:prstGeom prst="bentConnector3">
+            <a:avLst>
+              <a:gd name="adj1" fmla="val 50000"/>
+            </a:avLst>
+          </a:prstGeom>
+          <a:ln>
+            <a:tailEnd type="triangle"/>
+          </a:ln>
+        </p:spPr>
+        <p:style>
+          <a:lnRef idx="1">
+            <a:schemeClr val="accent1"/>
+          </a:lnRef>
+          <a:fillRef idx="0">
+            <a:schemeClr val="accent1"/>
+          </a:fillRef>
+          <a:effectRef idx="0">
+            <a:schemeClr val="accent1"/>
+          </a:effectRef>
+          <a:fontRef idx="minor">
+            <a:schemeClr val="tx1"/>
+          </a:fontRef>
+        </p:style>
+      </p:cxnSp>
+      <p:sp>
+        <p:nvSpPr>
+          <p:cNvPr id="44" name="文本框 43"/>
+          <p:cNvSpPr txBox="1"/>
+          <p:nvPr/>
+        </p:nvSpPr>
+        <p:spPr>
+          <a:xfrm>
+            <a:off x="4191000" y="5020942"/>
+            <a:ext cx="1272694" cy="553998"/>
+          </a:xfrm>
+          <a:prstGeom prst="rect">
+            <a:avLst/>
+          </a:prstGeom>
+          <a:noFill/>
+        </p:spPr>
+        <p:txBody>
+          <a:bodyPr wrap="square" rtlCol="0">
+            <a:spAutoFit/>
+          </a:bodyPr>
+          <a:lstStyle/>
+          <a:p>
+            <a:pPr algn="ctr"/>
+            <a:r>
+              <a:rPr lang="en-US" altLang="zh-CN" sz="1000" dirty="0" smtClean="0"/>
+              <a:t>save task </a:t>
+            </a:r>
+            <a:endParaRPr lang="en-US" altLang="zh-CN" sz="1000" dirty="0"/>
+          </a:p>
+          <a:p>
+            <a:pPr algn="ctr"/>
+            <a:r>
+              <a:rPr lang="en-US" altLang="zh-CN" sz="1000" dirty="0" smtClean="0"/>
+              <a:t>then sort </a:t>
+            </a:r>
+            <a:r>
+              <a:rPr lang="en-US" altLang="zh-CN" sz="1000" dirty="0"/>
+              <a:t>it </a:t>
+            </a:r>
+            <a:r>
+              <a:rPr lang="en-US" altLang="zh-CN" sz="1000" dirty="0" smtClean="0"/>
+              <a:t>by its execution time</a:t>
+            </a:r>
+            <a:endParaRPr lang="zh-CN" altLang="en-US" sz="1000" dirty="0"/>
+          </a:p>
+        </p:txBody>
+      </p:sp>
+      <p:sp>
+        <p:nvSpPr>
+          <p:cNvPr id="45" name="矩形 44"/>
           <p:cNvSpPr/>
           <p:nvPr/>
         </p:nvSpPr>
         <p:spPr>
           <a:xfrm>
-            <a:off x="4995865" y="75633"/>
-            <a:ext cx="1933575" cy="1019175"/>
-          </a:xfrm>
-          <a:prstGeom prst="ellipse">
+            <a:off x="5982491" y="2986635"/>
+            <a:ext cx="1064419" cy="1252892"/>
+          </a:xfrm>
+          <a:prstGeom prst="rect">
             <a:avLst/>
           </a:prstGeom>
           <a:solidFill>
-            <a:srgbClr val="FF0000"/>
+            <a:schemeClr val="accent5">
+              <a:lumMod val="60000"/>
+              <a:lumOff val="40000"/>
+            </a:schemeClr>
           </a:solidFill>
         </p:spPr>
         <p:style>
@@ -3325,55 +3507,29 @@
             <a:pPr algn="ctr"/>
             <a:r>
               <a:rPr lang="en-US" altLang="zh-CN" sz="1000" dirty="0"/>
-              <a:t>redis</a:t>
+              <a:t>background </a:t>
+            </a:r>
+          </a:p>
+          <a:p>
+            <a:pPr algn="ctr"/>
+            <a:r>
+              <a:rPr lang="en-US" altLang="zh-CN" sz="1000" dirty="0"/>
+              <a:t>thread pool</a:t>
             </a:r>
             <a:endParaRPr lang="zh-CN" altLang="en-US" sz="1000" dirty="0"/>
           </a:p>
         </p:txBody>
       </p:sp>
-      <p:cxnSp>
-        <p:nvCxnSpPr>
-          <p:cNvPr id="22" name="肘形连接符 21"/>
-          <p:cNvCxnSpPr/>
-          <p:nvPr/>
-        </p:nvCxnSpPr>
-        <p:spPr>
-          <a:xfrm rot="10800000">
-            <a:off x="2933703" y="3390907"/>
-            <a:ext cx="2009772" cy="7303"/>
-          </a:xfrm>
-          <a:prstGeom prst="bentConnector3">
-            <a:avLst/>
-          </a:prstGeom>
-          <a:ln>
-            <a:tailEnd type="triangle"/>
-          </a:ln>
-        </p:spPr>
-        <p:style>
-          <a:lnRef idx="1">
-            <a:schemeClr val="accent1"/>
-          </a:lnRef>
-          <a:fillRef idx="0">
-            <a:schemeClr val="accent1"/>
-          </a:fillRef>
-          <a:effectRef idx="0">
-            <a:schemeClr val="accent1"/>
-          </a:effectRef>
-          <a:fontRef idx="minor">
-            <a:schemeClr val="tx1"/>
-          </a:fontRef>
-        </p:style>
-      </p:cxnSp>
-      <p:sp>
-        <p:nvSpPr>
-          <p:cNvPr id="27" name="文本框 26"/>
+      <p:sp>
+        <p:nvSpPr>
+          <p:cNvPr id="49" name="文本框 48"/>
           <p:cNvSpPr txBox="1"/>
           <p:nvPr/>
         </p:nvSpPr>
         <p:spPr>
           <a:xfrm>
-            <a:off x="2933699" y="2835473"/>
-            <a:ext cx="1905000" cy="246221"/>
+            <a:off x="5206205" y="4253995"/>
+            <a:ext cx="1481136" cy="246221"/>
           </a:xfrm>
           <a:prstGeom prst="rect">
             <a:avLst/>
@@ -3389,7 +3545,7 @@
             <a:pPr algn="ctr"/>
             <a:r>
               <a:rPr lang="en-US" altLang="zh-CN" sz="1000" dirty="0"/>
-              <a:t>request to create task</a:t>
+              <a:t>rdelay-server</a:t>
             </a:r>
             <a:endParaRPr lang="zh-CN" altLang="en-US" sz="1000" dirty="0"/>
           </a:p>
@@ -3397,130 +3553,14 @@
       </p:sp>
       <p:sp>
         <p:nvSpPr>
-          <p:cNvPr id="38" name="文本框 37"/>
-          <p:cNvSpPr txBox="1"/>
-          <p:nvPr/>
-        </p:nvSpPr>
-        <p:spPr>
-          <a:xfrm>
-            <a:off x="2953938" y="3398211"/>
-            <a:ext cx="2138365" cy="246221"/>
-          </a:xfrm>
-          <a:prstGeom prst="rect">
-            <a:avLst/>
-          </a:prstGeom>
-          <a:noFill/>
-        </p:spPr>
-        <p:txBody>
-          <a:bodyPr wrap="square" rtlCol="0">
-            <a:spAutoFit/>
-          </a:bodyPr>
-          <a:lstStyle/>
-          <a:p>
-            <a:pPr algn="ctr"/>
-            <a:r>
-              <a:rPr lang="en-US" altLang="zh-CN" sz="1000" dirty="0"/>
-              <a:t>response for task creation</a:t>
-            </a:r>
-            <a:endParaRPr lang="zh-CN" altLang="en-US" sz="1000" dirty="0"/>
-          </a:p>
-        </p:txBody>
-      </p:sp>
-      <p:cxnSp>
-        <p:nvCxnSpPr>
-          <p:cNvPr id="42" name="肘形连接符 41"/>
-          <p:cNvCxnSpPr>
-            <a:stCxn id="51" idx="0"/>
-            <a:endCxn id="19" idx="3"/>
-          </p:cNvCxnSpPr>
-          <p:nvPr/>
-        </p:nvCxnSpPr>
-        <p:spPr>
-          <a:xfrm rot="16200000" flipV="1">
-            <a:off x="4585869" y="1638716"/>
-            <a:ext cx="1544883" cy="158557"/>
-          </a:xfrm>
-          <a:prstGeom prst="bentConnector3">
-            <a:avLst>
-              <a:gd name="adj1" fmla="val 50000"/>
-            </a:avLst>
-          </a:prstGeom>
-          <a:ln>
-            <a:tailEnd type="triangle"/>
-          </a:ln>
-        </p:spPr>
-        <p:style>
-          <a:lnRef idx="1">
-            <a:schemeClr val="accent1"/>
-          </a:lnRef>
-          <a:fillRef idx="0">
-            <a:schemeClr val="accent1"/>
-          </a:fillRef>
-          <a:effectRef idx="0">
-            <a:schemeClr val="accent1"/>
-          </a:effectRef>
-          <a:fontRef idx="minor">
-            <a:schemeClr val="tx1"/>
-          </a:fontRef>
-        </p:style>
-      </p:cxnSp>
-      <p:sp>
-        <p:nvSpPr>
-          <p:cNvPr id="44" name="文本框 43"/>
-          <p:cNvSpPr txBox="1"/>
-          <p:nvPr/>
-        </p:nvSpPr>
-        <p:spPr>
-          <a:xfrm>
-            <a:off x="3640131" y="1153534"/>
-            <a:ext cx="1758952" cy="553998"/>
-          </a:xfrm>
-          <a:prstGeom prst="rect">
-            <a:avLst/>
-          </a:prstGeom>
-          <a:noFill/>
-        </p:spPr>
-        <p:txBody>
-          <a:bodyPr wrap="square" rtlCol="0">
-            <a:spAutoFit/>
-          </a:bodyPr>
-          <a:lstStyle/>
-          <a:p>
-            <a:pPr algn="ctr"/>
-            <a:r>
-              <a:rPr lang="en-US" altLang="zh-CN" sz="1000" dirty="0" smtClean="0"/>
-              <a:t>save task </a:t>
-            </a:r>
-            <a:endParaRPr lang="en-US" altLang="zh-CN" sz="1000" dirty="0"/>
-          </a:p>
-          <a:p>
-            <a:pPr algn="ctr"/>
-            <a:r>
-              <a:rPr lang="en-US" altLang="zh-CN" sz="1000" dirty="0" smtClean="0"/>
-              <a:t>then sort </a:t>
-            </a:r>
-            <a:r>
-              <a:rPr lang="en-US" altLang="zh-CN" sz="1000" dirty="0"/>
-              <a:t>it </a:t>
-            </a:r>
-            <a:r>
-              <a:rPr lang="en-US" altLang="zh-CN" sz="1000" dirty="0" smtClean="0"/>
-              <a:t>by its execution time</a:t>
-            </a:r>
-            <a:endParaRPr lang="zh-CN" altLang="en-US" sz="1000" dirty="0"/>
-          </a:p>
-        </p:txBody>
-      </p:sp>
-      <p:sp>
-        <p:nvSpPr>
-          <p:cNvPr id="45" name="矩形 44"/>
+          <p:cNvPr id="51" name="矩形 50"/>
           <p:cNvSpPr/>
           <p:nvPr/>
         </p:nvSpPr>
         <p:spPr>
           <a:xfrm>
-            <a:off x="6086475" y="2490434"/>
-            <a:ext cx="1064419" cy="1252892"/>
+            <a:off x="4848885" y="2983657"/>
+            <a:ext cx="973931" cy="1252892"/>
           </a:xfrm>
           <a:prstGeom prst="rect">
             <a:avLst/>
@@ -3560,29 +3600,58 @@
             <a:pPr algn="ctr"/>
             <a:r>
               <a:rPr lang="en-US" altLang="zh-CN" sz="1000" dirty="0"/>
-              <a:t>background </a:t>
-            </a:r>
-          </a:p>
-          <a:p>
-            <a:pPr algn="ctr"/>
-            <a:r>
-              <a:rPr lang="en-US" altLang="zh-CN" sz="1000" dirty="0"/>
-              <a:t>thread pool</a:t>
-            </a:r>
-            <a:endParaRPr lang="zh-CN" altLang="en-US" sz="1000" dirty="0"/>
-          </a:p>
-        </p:txBody>
-      </p:sp>
-      <p:sp>
-        <p:nvSpPr>
-          <p:cNvPr id="49" name="文本框 48"/>
+              <a:t>front end</a:t>
+            </a:r>
+          </a:p>
+        </p:txBody>
+      </p:sp>
+      <p:cxnSp>
+        <p:nvCxnSpPr>
+          <p:cNvPr id="62" name="肘形连接符 61"/>
+          <p:cNvCxnSpPr>
+            <a:stCxn id="96" idx="0"/>
+          </p:cNvCxnSpPr>
+          <p:nvPr/>
+        </p:nvCxnSpPr>
+        <p:spPr>
+          <a:xfrm rot="5400000" flipH="1" flipV="1">
+            <a:off x="5344451" y="4767197"/>
+            <a:ext cx="1585571" cy="359491"/>
+          </a:xfrm>
+          <a:prstGeom prst="bentConnector3">
+            <a:avLst>
+              <a:gd name="adj1" fmla="val 50000"/>
+            </a:avLst>
+          </a:prstGeom>
+          <a:ln>
+            <a:tailEnd type="triangle"/>
+          </a:ln>
+        </p:spPr>
+        <p:style>
+          <a:lnRef idx="1">
+            <a:schemeClr val="accent1"/>
+          </a:lnRef>
+          <a:fillRef idx="0">
+            <a:schemeClr val="accent1"/>
+          </a:fillRef>
+          <a:effectRef idx="0">
+            <a:schemeClr val="accent1"/>
+          </a:effectRef>
+          <a:fontRef idx="minor">
+            <a:schemeClr val="tx1"/>
+          </a:fontRef>
+        </p:style>
+      </p:cxnSp>
+      <p:sp>
+        <p:nvSpPr>
+          <p:cNvPr id="70" name="文本框 69"/>
           <p:cNvSpPr txBox="1"/>
           <p:nvPr/>
         </p:nvSpPr>
         <p:spPr>
           <a:xfrm>
-            <a:off x="5307805" y="3940728"/>
-            <a:ext cx="1481136" cy="246221"/>
+            <a:off x="5315377" y="5042076"/>
+            <a:ext cx="1262792" cy="553998"/>
           </a:xfrm>
           <a:prstGeom prst="rect">
             <a:avLst/>
@@ -3598,7 +3667,19 @@
             <a:pPr algn="ctr"/>
             <a:r>
               <a:rPr lang="en-US" altLang="zh-CN" sz="1000" dirty="0"/>
-              <a:t>rdelay-server</a:t>
+              <a:t>get tasks whose </a:t>
+            </a:r>
+            <a:r>
+              <a:rPr lang="en-US" altLang="zh-CN" sz="1000" dirty="0" smtClean="0"/>
+              <a:t>execution </a:t>
+            </a:r>
+            <a:r>
+              <a:rPr lang="en-US" altLang="zh-CN" sz="1000" dirty="0"/>
+              <a:t>time </a:t>
+            </a:r>
+            <a:r>
+              <a:rPr lang="en-US" altLang="zh-CN" sz="1000" dirty="0" smtClean="0"/>
+              <a:t>arrives</a:t>
             </a:r>
             <a:endParaRPr lang="zh-CN" altLang="en-US" sz="1000" dirty="0"/>
           </a:p>
@@ -3606,23 +3687,82 @@
       </p:sp>
       <p:sp>
         <p:nvSpPr>
-          <p:cNvPr id="51" name="矩形 50"/>
-          <p:cNvSpPr/>
-          <p:nvPr/>
-        </p:nvSpPr>
-        <p:spPr>
-          <a:xfrm>
-            <a:off x="4950622" y="2490434"/>
-            <a:ext cx="973931" cy="1252892"/>
+          <p:cNvPr id="76" name="文本框 75"/>
+          <p:cNvSpPr txBox="1"/>
+          <p:nvPr/>
+        </p:nvSpPr>
+        <p:spPr>
+          <a:xfrm>
+            <a:off x="7200504" y="3059678"/>
+            <a:ext cx="1944720" cy="400110"/>
           </a:xfrm>
           <a:prstGeom prst="rect">
             <a:avLst/>
           </a:prstGeom>
+          <a:noFill/>
+        </p:spPr>
+        <p:txBody>
+          <a:bodyPr wrap="square" rtlCol="0">
+            <a:spAutoFit/>
+          </a:bodyPr>
+          <a:lstStyle/>
+          <a:p>
+            <a:pPr algn="ctr"/>
+            <a:r>
+              <a:rPr lang="en-US" altLang="zh-CN" sz="1000" dirty="0"/>
+              <a:t>post the task to the target receiver specifyed by the task</a:t>
+            </a:r>
+            <a:endParaRPr lang="zh-CN" altLang="en-US" sz="1000" dirty="0"/>
+          </a:p>
+        </p:txBody>
+      </p:sp>
+      <p:sp>
+        <p:nvSpPr>
+          <p:cNvPr id="87" name="文本框 86"/>
+          <p:cNvSpPr txBox="1"/>
+          <p:nvPr/>
+        </p:nvSpPr>
+        <p:spPr>
+          <a:xfrm>
+            <a:off x="7200504" y="3792326"/>
+            <a:ext cx="2112169" cy="246221"/>
+          </a:xfrm>
+          <a:prstGeom prst="rect">
+            <a:avLst/>
+          </a:prstGeom>
+          <a:noFill/>
+        </p:spPr>
+        <p:txBody>
+          <a:bodyPr wrap="square" rtlCol="0">
+            <a:spAutoFit/>
+          </a:bodyPr>
+          <a:lstStyle/>
+          <a:p>
+            <a:pPr algn="ctr"/>
+            <a:r>
+              <a:rPr lang="en-US" altLang="zh-CN" sz="1000" dirty="0" smtClean="0"/>
+              <a:t>result for task execution</a:t>
+            </a:r>
+            <a:endParaRPr lang="zh-CN" altLang="en-US" sz="1000" dirty="0"/>
+          </a:p>
+        </p:txBody>
+      </p:sp>
+      <p:sp>
+        <p:nvSpPr>
+          <p:cNvPr id="96" name="椭圆 95"/>
+          <p:cNvSpPr/>
+          <p:nvPr/>
+        </p:nvSpPr>
+        <p:spPr>
+          <a:xfrm>
+            <a:off x="4990703" y="5739727"/>
+            <a:ext cx="1933575" cy="1019175"/>
+          </a:xfrm>
+          <a:prstGeom prst="ellipse">
+            <a:avLst/>
+          </a:prstGeom>
           <a:solidFill>
-            <a:schemeClr val="accent5">
-              <a:lumMod val="60000"/>
-              <a:lumOff val="40000"/>
-            </a:schemeClr>
+            <a:srgbClr val="FF0000"/>
           </a:solidFill>
         </p:spPr>
         <p:style>
@@ -3652,60 +3792,23 @@
           <a:p>
             <a:pPr algn="ctr"/>
             <a:r>
-              <a:rPr lang="en-US" altLang="zh-CN" sz="1000" dirty="0"/>
-              <a:t>front end</a:t>
-            </a:r>
-          </a:p>
-        </p:txBody>
-      </p:sp>
-      <p:cxnSp>
-        <p:nvCxnSpPr>
-          <p:cNvPr id="62" name="肘形连接符 61"/>
-          <p:cNvCxnSpPr>
-            <a:stCxn id="19" idx="5"/>
-            <a:endCxn id="45" idx="0"/>
-          </p:cNvCxnSpPr>
-          <p:nvPr/>
-        </p:nvCxnSpPr>
-        <p:spPr>
-          <a:xfrm rot="5400000">
-            <a:off x="5860039" y="1704198"/>
-            <a:ext cx="1544883" cy="27588"/>
-          </a:xfrm>
-          <a:prstGeom prst="bentConnector3">
-            <a:avLst>
-              <a:gd name="adj1" fmla="val 50000"/>
-            </a:avLst>
-          </a:prstGeom>
-          <a:ln>
-            <a:tailEnd type="triangle"/>
-          </a:ln>
-        </p:spPr>
-        <p:style>
-          <a:lnRef idx="1">
-            <a:schemeClr val="accent1"/>
-          </a:lnRef>
-          <a:fillRef idx="0">
-            <a:schemeClr val="accent1"/>
-          </a:fillRef>
-          <a:effectRef idx="0">
-            <a:schemeClr val="accent1"/>
-          </a:effectRef>
-          <a:fontRef idx="minor">
-            <a:schemeClr val="tx1"/>
-          </a:fontRef>
-        </p:style>
-      </p:cxnSp>
-      <p:sp>
-        <p:nvSpPr>
-          <p:cNvPr id="70" name="文本框 69"/>
+              <a:rPr lang="en-US" altLang="zh-CN" sz="1000" dirty="0" smtClean="0"/>
+              <a:t>redis</a:t>
+            </a:r>
+            <a:endParaRPr lang="zh-CN" altLang="en-US" sz="1000" dirty="0"/>
+          </a:p>
+        </p:txBody>
+      </p:sp>
+      <p:sp>
+        <p:nvSpPr>
+          <p:cNvPr id="108" name="文本框 107"/>
           <p:cNvSpPr txBox="1"/>
           <p:nvPr/>
         </p:nvSpPr>
         <p:spPr>
           <a:xfrm>
-            <a:off x="6688935" y="1250482"/>
-            <a:ext cx="2140739" cy="400110"/>
+            <a:off x="6479353" y="4987486"/>
+            <a:ext cx="1777235" cy="707886"/>
           </a:xfrm>
           <a:prstGeom prst="rect">
             <a:avLst/>
@@ -3720,195 +3823,6 @@
           <a:p>
             <a:pPr algn="ctr"/>
             <a:r>
-              <a:rPr lang="en-US" altLang="zh-CN" sz="1000" dirty="0"/>
-              <a:t>get tasks whose </a:t>
-            </a:r>
-            <a:r>
-              <a:rPr lang="en-US" altLang="zh-CN" sz="1000" dirty="0" smtClean="0"/>
-              <a:t>execution </a:t>
-            </a:r>
-            <a:r>
-              <a:rPr lang="en-US" altLang="zh-CN" sz="1000" dirty="0"/>
-              <a:t>time is reached</a:t>
-            </a:r>
-            <a:endParaRPr lang="zh-CN" altLang="en-US" sz="1000" dirty="0"/>
-          </a:p>
-        </p:txBody>
-      </p:sp>
-      <p:sp>
-        <p:nvSpPr>
-          <p:cNvPr id="76" name="文本框 75"/>
-          <p:cNvSpPr txBox="1"/>
-          <p:nvPr/>
-        </p:nvSpPr>
-        <p:spPr>
-          <a:xfrm>
-            <a:off x="7053163" y="2667652"/>
-            <a:ext cx="2562431" cy="400110"/>
-          </a:xfrm>
-          <a:prstGeom prst="rect">
-            <a:avLst/>
-          </a:prstGeom>
-          <a:noFill/>
-        </p:spPr>
-        <p:txBody>
-          <a:bodyPr wrap="square" rtlCol="0">
-            <a:spAutoFit/>
-          </a:bodyPr>
-          <a:lstStyle/>
-          <a:p>
-            <a:pPr algn="ctr"/>
-            <a:r>
-              <a:rPr lang="en-US" altLang="zh-CN" sz="1000" dirty="0"/>
-              <a:t>post the task to the target receiver specifyed by the task</a:t>
-            </a:r>
-            <a:endParaRPr lang="zh-CN" altLang="en-US" sz="1000" dirty="0"/>
-          </a:p>
-        </p:txBody>
-      </p:sp>
-      <p:sp>
-        <p:nvSpPr>
-          <p:cNvPr id="87" name="文本框 86"/>
-          <p:cNvSpPr txBox="1"/>
-          <p:nvPr/>
-        </p:nvSpPr>
-        <p:spPr>
-          <a:xfrm>
-            <a:off x="7302104" y="3479059"/>
-            <a:ext cx="2112169" cy="246221"/>
-          </a:xfrm>
-          <a:prstGeom prst="rect">
-            <a:avLst/>
-          </a:prstGeom>
-          <a:noFill/>
-        </p:spPr>
-        <p:txBody>
-          <a:bodyPr wrap="square" rtlCol="0">
-            <a:spAutoFit/>
-          </a:bodyPr>
-          <a:lstStyle/>
-          <a:p>
-            <a:pPr algn="ctr"/>
-            <a:r>
-              <a:rPr lang="en-US" altLang="zh-CN" sz="1000" dirty="0" smtClean="0"/>
-              <a:t>result for task execution</a:t>
-            </a:r>
-            <a:endParaRPr lang="zh-CN" altLang="en-US" sz="1000" dirty="0"/>
-          </a:p>
-        </p:txBody>
-      </p:sp>
-      <p:sp>
-        <p:nvSpPr>
-          <p:cNvPr id="96" name="椭圆 95"/>
-          <p:cNvSpPr/>
-          <p:nvPr/>
-        </p:nvSpPr>
-        <p:spPr>
-          <a:xfrm>
-            <a:off x="5651896" y="5466783"/>
-            <a:ext cx="1933575" cy="1019175"/>
-          </a:xfrm>
-          <a:prstGeom prst="ellipse">
-            <a:avLst/>
-          </a:prstGeom>
-          <a:solidFill>
-            <a:srgbClr val="FF0000"/>
-          </a:solidFill>
-        </p:spPr>
-        <p:style>
-          <a:lnRef idx="2">
-            <a:schemeClr val="accent1">
-              <a:shade val="50000"/>
-            </a:schemeClr>
-          </a:lnRef>
-          <a:fillRef idx="1">
-            <a:schemeClr val="accent1"/>
-          </a:fillRef>
-          <a:effectRef idx="0">
-            <a:schemeClr val="accent1"/>
-          </a:effectRef>
-          <a:fontRef idx="minor">
-            <a:schemeClr val="lt1"/>
-          </a:fontRef>
-        </p:style>
-        <p:txBody>
-          <a:bodyPr rot="0" spcFirstLastPara="0" vertOverflow="overflow" horzOverflow="overflow" vert="horz" wrap="square" lIns="91440" tIns="45720" rIns="91440" bIns="45720" numCol="1" spcCol="0" rtlCol="0" fromWordArt="0" anchor="ctr" anchorCtr="0" forceAA="0" compatLnSpc="1">
-            <a:prstTxWarp prst="textNoShape">
-              <a:avLst/>
-            </a:prstTxWarp>
-            <a:noAutofit/>
-          </a:bodyPr>
-          <a:lstStyle/>
-          <a:p>
-            <a:pPr algn="ctr"/>
-            <a:r>
-              <a:rPr lang="en-US" altLang="zh-CN" sz="1000" dirty="0"/>
-              <a:t>redis</a:t>
-            </a:r>
-            <a:endParaRPr lang="zh-CN" altLang="en-US" sz="1000" dirty="0"/>
-          </a:p>
-        </p:txBody>
-      </p:sp>
-      <p:cxnSp>
-        <p:nvCxnSpPr>
-          <p:cNvPr id="106" name="直接箭头连接符 105"/>
-          <p:cNvCxnSpPr>
-            <a:stCxn id="45" idx="2"/>
-            <a:endCxn id="96" idx="0"/>
-          </p:cNvCxnSpPr>
-          <p:nvPr/>
-        </p:nvCxnSpPr>
-        <p:spPr>
-          <a:xfrm flipH="1">
-            <a:off x="6618684" y="3743326"/>
-            <a:ext cx="1" cy="1723457"/>
-          </a:xfrm>
-          <a:prstGeom prst="straightConnector1">
-            <a:avLst/>
-          </a:prstGeom>
-          <a:ln>
-            <a:tailEnd type="triangle"/>
-          </a:ln>
-        </p:spPr>
-        <p:style>
-          <a:lnRef idx="1">
-            <a:schemeClr val="accent1"/>
-          </a:lnRef>
-          <a:fillRef idx="0">
-            <a:schemeClr val="accent1"/>
-          </a:fillRef>
-          <a:effectRef idx="0">
-            <a:schemeClr val="accent1"/>
-          </a:effectRef>
-          <a:fontRef idx="minor">
-            <a:schemeClr val="tx1"/>
-          </a:fontRef>
-        </p:style>
-      </p:cxnSp>
-      <p:sp>
-        <p:nvSpPr>
-          <p:cNvPr id="108" name="文本框 107"/>
-          <p:cNvSpPr txBox="1"/>
-          <p:nvPr/>
-        </p:nvSpPr>
-        <p:spPr>
-          <a:xfrm>
-            <a:off x="6618683" y="4626886"/>
-            <a:ext cx="2589607" cy="553998"/>
-          </a:xfrm>
-          <a:prstGeom prst="rect">
-            <a:avLst/>
-          </a:prstGeom>
-          <a:noFill/>
-        </p:spPr>
-        <p:txBody>
-          <a:bodyPr wrap="square" rtlCol="0">
-            <a:spAutoFit/>
-          </a:bodyPr>
-          <a:lstStyle/>
-          <a:p>
-            <a:pPr algn="ctr"/>
-            <a:r>
               <a:rPr lang="en-US" altLang="zh-CN" sz="1000" dirty="0" smtClean="0"/>
               <a:t>when task execution fails</a:t>
             </a:r>
@@ -3931,7 +3845,7 @@
         </p:nvSpPr>
         <p:spPr>
           <a:xfrm>
-            <a:off x="10298954" y="3790952"/>
+            <a:off x="10197354" y="4104219"/>
             <a:ext cx="1062259" cy="426486"/>
           </a:xfrm>
           <a:prstGeom prst="rect">
@@ -3975,7 +3889,7 @@
         </p:nvCxnSpPr>
         <p:spPr>
           <a:xfrm flipH="1">
-            <a:off x="7160421" y="3390907"/>
+            <a:off x="7058821" y="3704174"/>
             <a:ext cx="2400298" cy="3652"/>
           </a:xfrm>
           <a:prstGeom prst="straightConnector1">
@@ -4008,8 +3922,8 @@
         </p:nvSpPr>
         <p:spPr>
           <a:xfrm>
-            <a:off x="991789" y="2147294"/>
-            <a:ext cx="1562103" cy="338554"/>
+            <a:off x="934966" y="4209778"/>
+            <a:ext cx="1562103" cy="246221"/>
           </a:xfrm>
           <a:prstGeom prst="rect">
             <a:avLst/>
@@ -4024,10 +3938,10 @@
           <a:p>
             <a:pPr algn="ctr"/>
             <a:r>
-              <a:rPr lang="en-US" altLang="zh-CN" sz="1600" dirty="0" smtClean="0"/>
+              <a:rPr lang="en-US" altLang="zh-CN" sz="1000" dirty="0" smtClean="0"/>
               <a:t>application  A</a:t>
             </a:r>
-            <a:endParaRPr lang="zh-CN" altLang="en-US" sz="1600" dirty="0"/>
+            <a:endParaRPr lang="zh-CN" altLang="en-US" sz="1000" dirty="0"/>
           </a:p>
         </p:txBody>
       </p:sp>
@@ -4039,8 +3953,8 @@
         </p:nvSpPr>
         <p:spPr>
           <a:xfrm>
-            <a:off x="10018516" y="2087893"/>
-            <a:ext cx="1400175" cy="369204"/>
+            <a:off x="9916916" y="2683330"/>
+            <a:ext cx="1400175" cy="246221"/>
           </a:xfrm>
           <a:prstGeom prst="rect">
             <a:avLst/>
@@ -4055,10 +3969,10 @@
           <a:p>
             <a:pPr algn="ctr"/>
             <a:r>
-              <a:rPr lang="en-US" altLang="zh-CN" dirty="0" smtClean="0"/>
+              <a:rPr lang="en-US" altLang="zh-CN" sz="1000" dirty="0" smtClean="0"/>
               <a:t>application B</a:t>
             </a:r>
-            <a:endParaRPr lang="zh-CN" altLang="en-US" dirty="0"/>
+            <a:endParaRPr lang="zh-CN" altLang="en-US" sz="1000" dirty="0"/>
           </a:p>
         </p:txBody>
       </p:sp>
@@ -4070,7 +3984,7 @@
         </p:nvSpPr>
         <p:spPr>
           <a:xfrm>
-            <a:off x="10298954" y="3571875"/>
+            <a:off x="10197354" y="3885142"/>
             <a:ext cx="222053" cy="219077"/>
           </a:xfrm>
           <a:prstGeom prst="downArrow">
@@ -4098,7 +4012,7 @@
           <a:lstStyle/>
           <a:p>
             <a:pPr algn="ctr"/>
-            <a:endParaRPr lang="zh-CN" altLang="en-US"/>
+            <a:endParaRPr lang="zh-CN" altLang="en-US" sz="1000"/>
           </a:p>
         </p:txBody>
       </p:sp>
@@ -4110,7 +4024,7 @@
         </p:nvSpPr>
         <p:spPr>
           <a:xfrm>
-            <a:off x="1172765" y="3925221"/>
+            <a:off x="1140273" y="2732224"/>
             <a:ext cx="1200150" cy="384841"/>
           </a:xfrm>
           <a:prstGeom prst="rect">
@@ -4150,7 +4064,23 @@
                   <a:schemeClr val="tx1"/>
                 </a:solidFill>
               </a:rPr>
-              <a:t>task creation</a:t>
+              <a:t>3</a:t>
+            </a:r>
+            <a:r>
+              <a:rPr lang="en-US" altLang="zh-CN" sz="1000" baseline="30000" dirty="0" smtClean="0">
+                <a:solidFill>
+                  <a:schemeClr val="tx1"/>
+                </a:solidFill>
+              </a:rPr>
+              <a:t>rd</a:t>
+            </a:r>
+            <a:r>
+              <a:rPr lang="en-US" altLang="zh-CN" sz="1000" dirty="0" smtClean="0">
+                <a:solidFill>
+                  <a:schemeClr val="tx1"/>
+                </a:solidFill>
+              </a:rPr>
+              <a:t> business </a:t>
             </a:r>
             <a:endParaRPr lang="zh-CN" altLang="en-US" sz="1000" dirty="0">
               <a:solidFill>
@@ -4167,9 +4097,9 @@
           <p:nvPr/>
         </p:nvSpPr>
         <p:spPr>
-          <a:xfrm rot="16200000">
-            <a:off x="1134742" y="3619424"/>
-            <a:ext cx="324028" cy="247981"/>
+          <a:xfrm rot="5400000">
+            <a:off x="1265637" y="3135742"/>
+            <a:ext cx="291829" cy="247981"/>
           </a:xfrm>
           <a:prstGeom prst="rightArrow">
             <a:avLst/>
@@ -4196,7 +4126,7 @@
           <a:lstStyle/>
           <a:p>
             <a:pPr algn="ctr"/>
-            <a:endParaRPr lang="zh-CN" altLang="en-US"/>
+            <a:endParaRPr lang="zh-CN" altLang="en-US" sz="1000"/>
           </a:p>
         </p:txBody>
       </p:sp>
@@ -4208,7 +4138,7 @@
         </p:nvSpPr>
         <p:spPr>
           <a:xfrm rot="10800000">
-            <a:off x="11136897" y="3561783"/>
+            <a:off x="11035297" y="3875050"/>
             <a:ext cx="256880" cy="229169"/>
           </a:xfrm>
           <a:prstGeom prst="downArrow">
@@ -4236,7 +4166,7 @@
           <a:lstStyle/>
           <a:p>
             <a:pPr algn="ctr"/>
-            <a:endParaRPr lang="zh-CN" altLang="en-US"/>
+            <a:endParaRPr lang="zh-CN" altLang="en-US" sz="1000"/>
           </a:p>
         </p:txBody>
       </p:sp>
@@ -4247,9 +4177,9 @@
           <p:nvPr/>
         </p:nvSpPr>
         <p:spPr>
-          <a:xfrm rot="5400000">
-            <a:off x="2042365" y="3613715"/>
-            <a:ext cx="353343" cy="269670"/>
+          <a:xfrm rot="16200000">
+            <a:off x="1916303" y="3141008"/>
+            <a:ext cx="265368" cy="269670"/>
           </a:xfrm>
           <a:prstGeom prst="rightArrow">
             <a:avLst/>
@@ -4276,7 +4206,7 @@
           <a:lstStyle/>
           <a:p>
             <a:pPr algn="ctr"/>
-            <a:endParaRPr lang="zh-CN" altLang="en-US"/>
+            <a:endParaRPr lang="zh-CN" altLang="en-US" sz="1000"/>
           </a:p>
         </p:txBody>
       </p:sp>
@@ -4288,7 +4218,7 @@
         </p:nvSpPr>
         <p:spPr>
           <a:xfrm>
-            <a:off x="9630193" y="4299929"/>
+            <a:off x="9528593" y="4613196"/>
             <a:ext cx="997009" cy="412701"/>
           </a:xfrm>
           <a:prstGeom prst="rect">
@@ -4332,7 +4262,7 @@
         </p:nvSpPr>
         <p:spPr>
           <a:xfrm>
-            <a:off x="10859470" y="4307319"/>
+            <a:off x="10757870" y="4620586"/>
             <a:ext cx="1062259" cy="400356"/>
           </a:xfrm>
           <a:prstGeom prst="rect">
@@ -4368,10 +4298,1139 @@
           </a:p>
         </p:txBody>
       </p:sp>
+      <p:cxnSp>
+        <p:nvCxnSpPr>
+          <p:cNvPr id="29" name="肘形连接符 28"/>
+          <p:cNvCxnSpPr>
+            <a:endCxn id="96" idx="7"/>
+          </p:cNvCxnSpPr>
+          <p:nvPr/>
+        </p:nvCxnSpPr>
+        <p:spPr>
+          <a:xfrm rot="16200000" flipH="1">
+            <a:off x="5748185" y="4996055"/>
+            <a:ext cx="1734824" cy="51030"/>
+          </a:xfrm>
+          <a:prstGeom prst="bentConnector3">
+            <a:avLst>
+              <a:gd name="adj1" fmla="val 50000"/>
+            </a:avLst>
+          </a:prstGeom>
+          <a:ln>
+            <a:tailEnd type="triangle"/>
+          </a:ln>
+        </p:spPr>
+        <p:style>
+          <a:lnRef idx="1">
+            <a:schemeClr val="accent1"/>
+          </a:lnRef>
+          <a:fillRef idx="0">
+            <a:schemeClr val="accent1"/>
+          </a:fillRef>
+          <a:effectRef idx="0">
+            <a:schemeClr val="accent1"/>
+          </a:effectRef>
+          <a:fontRef idx="minor">
+            <a:schemeClr val="tx1"/>
+          </a:fontRef>
+        </p:style>
+      </p:cxnSp>
+      <p:sp>
+        <p:nvSpPr>
+          <p:cNvPr id="48" name="矩形 47"/>
+          <p:cNvSpPr/>
+          <p:nvPr/>
+        </p:nvSpPr>
+        <p:spPr>
+          <a:xfrm>
+            <a:off x="5135764" y="2474323"/>
+            <a:ext cx="1587466" cy="397745"/>
+          </a:xfrm>
+          <a:prstGeom prst="rect">
+            <a:avLst/>
+          </a:prstGeom>
+          <a:solidFill>
+            <a:schemeClr val="accent5">
+              <a:lumMod val="60000"/>
+              <a:lumOff val="40000"/>
+            </a:schemeClr>
+          </a:solidFill>
+        </p:spPr>
+        <p:style>
+          <a:lnRef idx="2">
+            <a:schemeClr val="accent1">
+              <a:shade val="50000"/>
+            </a:schemeClr>
+          </a:lnRef>
+          <a:fillRef idx="1">
+            <a:schemeClr val="accent1"/>
+          </a:fillRef>
+          <a:effectRef idx="0">
+            <a:schemeClr val="accent1"/>
+          </a:effectRef>
+          <a:fontRef idx="minor">
+            <a:schemeClr val="lt1"/>
+          </a:fontRef>
+        </p:style>
+        <p:txBody>
+          <a:bodyPr rtlCol="0" anchor="ctr"/>
+          <a:lstStyle/>
+          <a:p>
+            <a:pPr algn="ctr"/>
+            <a:r>
+              <a:rPr lang="en-US" altLang="zh-CN" sz="1000" dirty="0" smtClean="0"/>
+              <a:t>kafka producer</a:t>
+            </a:r>
+            <a:endParaRPr lang="zh-CN" altLang="en-US" sz="1000" dirty="0"/>
+          </a:p>
+        </p:txBody>
+      </p:sp>
+      <p:sp>
+        <p:nvSpPr>
+          <p:cNvPr id="50" name="椭圆 49"/>
+          <p:cNvSpPr/>
+          <p:nvPr/>
+        </p:nvSpPr>
+        <p:spPr>
+          <a:xfrm>
+            <a:off x="5178946" y="1645629"/>
+            <a:ext cx="1460400" cy="416681"/>
+          </a:xfrm>
+          <a:prstGeom prst="ellipse">
+            <a:avLst/>
+          </a:prstGeom>
+          <a:solidFill>
+            <a:schemeClr val="bg1"/>
+          </a:solidFill>
+          <a:ln>
+            <a:solidFill>
+              <a:schemeClr val="tx1"/>
+            </a:solidFill>
+          </a:ln>
+        </p:spPr>
+        <p:style>
+          <a:lnRef idx="2">
+            <a:schemeClr val="accent1">
+              <a:shade val="50000"/>
+            </a:schemeClr>
+          </a:lnRef>
+          <a:fillRef idx="1">
+            <a:schemeClr val="accent1"/>
+          </a:fillRef>
+          <a:effectRef idx="0">
+            <a:schemeClr val="accent1"/>
+          </a:effectRef>
+          <a:fontRef idx="minor">
+            <a:schemeClr val="lt1"/>
+          </a:fontRef>
+        </p:style>
+        <p:txBody>
+          <a:bodyPr rtlCol="0" anchor="ctr"/>
+          <a:lstStyle/>
+          <a:p>
+            <a:pPr algn="ctr"/>
+            <a:r>
+              <a:rPr lang="en-US" altLang="zh-CN" sz="1000" dirty="0" smtClean="0">
+                <a:solidFill>
+                  <a:schemeClr val="tx1"/>
+                </a:solidFill>
+              </a:rPr>
+              <a:t>kafka</a:t>
+            </a:r>
+            <a:endParaRPr lang="zh-CN" altLang="en-US" sz="1000" dirty="0">
+              <a:solidFill>
+                <a:schemeClr val="tx1"/>
+              </a:solidFill>
+            </a:endParaRPr>
+          </a:p>
+        </p:txBody>
+      </p:sp>
+      <p:sp>
+        <p:nvSpPr>
+          <p:cNvPr id="52" name="圆柱形 51"/>
+          <p:cNvSpPr/>
+          <p:nvPr/>
+        </p:nvSpPr>
+        <p:spPr>
+          <a:xfrm>
+            <a:off x="6852048" y="1633646"/>
+            <a:ext cx="1075266" cy="568123"/>
+          </a:xfrm>
+          <a:prstGeom prst="can">
+            <a:avLst/>
+          </a:prstGeom>
+        </p:spPr>
+        <p:style>
+          <a:lnRef idx="2">
+            <a:schemeClr val="accent1">
+              <a:shade val="50000"/>
+            </a:schemeClr>
+          </a:lnRef>
+          <a:fillRef idx="1">
+            <a:schemeClr val="accent1"/>
+          </a:fillRef>
+          <a:effectRef idx="0">
+            <a:schemeClr val="accent1"/>
+          </a:effectRef>
+          <a:fontRef idx="minor">
+            <a:schemeClr val="lt1"/>
+          </a:fontRef>
+        </p:style>
+        <p:txBody>
+          <a:bodyPr rtlCol="0" anchor="ctr"/>
+          <a:lstStyle/>
+          <a:p>
+            <a:pPr algn="ctr"/>
+            <a:r>
+              <a:rPr lang="en-US" altLang="zh-CN" sz="1000" dirty="0" smtClean="0"/>
+              <a:t>mongodb</a:t>
+            </a:r>
+            <a:endParaRPr lang="zh-CN" altLang="en-US" sz="1000" dirty="0"/>
+          </a:p>
+        </p:txBody>
+      </p:sp>
+      <p:sp>
+        <p:nvSpPr>
+          <p:cNvPr id="67" name="矩形 66"/>
+          <p:cNvSpPr/>
+          <p:nvPr/>
+        </p:nvSpPr>
+        <p:spPr>
+          <a:xfrm>
+            <a:off x="4114079" y="294963"/>
+            <a:ext cx="3590134" cy="912680"/>
+          </a:xfrm>
+          <a:prstGeom prst="rect">
+            <a:avLst/>
+          </a:prstGeom>
+          <a:solidFill>
+            <a:schemeClr val="accent3"/>
+          </a:solidFill>
+        </p:spPr>
+        <p:style>
+          <a:lnRef idx="2">
+            <a:schemeClr val="accent1">
+              <a:shade val="50000"/>
+            </a:schemeClr>
+          </a:lnRef>
+          <a:fillRef idx="1">
+            <a:schemeClr val="accent1"/>
+          </a:fillRef>
+          <a:effectRef idx="0">
+            <a:schemeClr val="accent1"/>
+          </a:effectRef>
+          <a:fontRef idx="minor">
+            <a:schemeClr val="lt1"/>
+          </a:fontRef>
+        </p:style>
+        <p:txBody>
+          <a:bodyPr rtlCol="0" anchor="ctr"/>
+          <a:lstStyle/>
+          <a:p>
+            <a:pPr algn="ctr"/>
+            <a:r>
+              <a:rPr lang="en-US" altLang="zh-CN" sz="1000" dirty="0" smtClean="0"/>
+              <a:t>rdelay-dashboard</a:t>
+            </a:r>
+            <a:endParaRPr lang="zh-CN" altLang="en-US" sz="1000" dirty="0"/>
+          </a:p>
+        </p:txBody>
+      </p:sp>
+      <p:sp>
+        <p:nvSpPr>
+          <p:cNvPr id="80" name="右箭头 79"/>
+          <p:cNvSpPr/>
+          <p:nvPr/>
+        </p:nvSpPr>
+        <p:spPr>
+          <a:xfrm rot="16200000">
+            <a:off x="5800702" y="2132778"/>
+            <a:ext cx="359569" cy="254748"/>
+          </a:xfrm>
+          <a:prstGeom prst="rightArrow">
+            <a:avLst/>
+          </a:prstGeom>
+        </p:spPr>
+        <p:style>
+          <a:lnRef idx="2">
+            <a:schemeClr val="accent1">
+              <a:shade val="50000"/>
+            </a:schemeClr>
+          </a:lnRef>
+          <a:fillRef idx="1">
+            <a:schemeClr val="accent1"/>
+          </a:fillRef>
+          <a:effectRef idx="0">
+            <a:schemeClr val="accent1"/>
+          </a:effectRef>
+          <a:fontRef idx="minor">
+            <a:schemeClr val="lt1"/>
+          </a:fontRef>
+        </p:style>
+        <p:txBody>
+          <a:bodyPr rtlCol="0" anchor="ctr"/>
+          <a:lstStyle/>
+          <a:p>
+            <a:pPr algn="ctr"/>
+            <a:endParaRPr lang="zh-CN" altLang="en-US" dirty="0"/>
+          </a:p>
+        </p:txBody>
+      </p:sp>
+      <p:sp>
+        <p:nvSpPr>
+          <p:cNvPr id="82" name="右箭头 81"/>
+          <p:cNvSpPr/>
+          <p:nvPr/>
+        </p:nvSpPr>
+        <p:spPr>
+          <a:xfrm rot="16200000">
+            <a:off x="5757428" y="1317595"/>
+            <a:ext cx="378690" cy="256244"/>
+          </a:xfrm>
+          <a:prstGeom prst="rightArrow">
+            <a:avLst/>
+          </a:prstGeom>
+        </p:spPr>
+        <p:style>
+          <a:lnRef idx="2">
+            <a:schemeClr val="accent1">
+              <a:shade val="50000"/>
+            </a:schemeClr>
+          </a:lnRef>
+          <a:fillRef idx="1">
+            <a:schemeClr val="accent1"/>
+          </a:fillRef>
+          <a:effectRef idx="0">
+            <a:schemeClr val="accent1"/>
+          </a:effectRef>
+          <a:fontRef idx="minor">
+            <a:schemeClr val="lt1"/>
+          </a:fontRef>
+        </p:style>
+        <p:txBody>
+          <a:bodyPr rtlCol="0" anchor="ctr"/>
+          <a:lstStyle/>
+          <a:p>
+            <a:pPr algn="ctr"/>
+            <a:endParaRPr lang="zh-CN" altLang="en-US"/>
+          </a:p>
+        </p:txBody>
+      </p:sp>
+      <p:sp>
+        <p:nvSpPr>
+          <p:cNvPr id="86" name="右箭头 85"/>
+          <p:cNvSpPr/>
+          <p:nvPr/>
+        </p:nvSpPr>
+        <p:spPr>
+          <a:xfrm rot="5400000">
+            <a:off x="7202326" y="1356345"/>
+            <a:ext cx="374710" cy="166014"/>
+          </a:xfrm>
+          <a:prstGeom prst="rightArrow">
+            <a:avLst/>
+          </a:prstGeom>
+        </p:spPr>
+        <p:style>
+          <a:lnRef idx="2">
+            <a:schemeClr val="accent1">
+              <a:shade val="50000"/>
+            </a:schemeClr>
+          </a:lnRef>
+          <a:fillRef idx="1">
+            <a:schemeClr val="accent1"/>
+          </a:fillRef>
+          <a:effectRef idx="0">
+            <a:schemeClr val="accent1"/>
+          </a:effectRef>
+          <a:fontRef idx="minor">
+            <a:schemeClr val="lt1"/>
+          </a:fontRef>
+        </p:style>
+        <p:txBody>
+          <a:bodyPr rtlCol="0" anchor="ctr"/>
+          <a:lstStyle/>
+          <a:p>
+            <a:pPr algn="ctr"/>
+            <a:endParaRPr lang="zh-CN" altLang="en-US"/>
+          </a:p>
+        </p:txBody>
+      </p:sp>
+      <p:sp>
+        <p:nvSpPr>
+          <p:cNvPr id="89" name="文本框 88"/>
+          <p:cNvSpPr txBox="1"/>
+          <p:nvPr/>
+        </p:nvSpPr>
+        <p:spPr>
+          <a:xfrm>
+            <a:off x="5946773" y="2180245"/>
+            <a:ext cx="1000399" cy="246221"/>
+          </a:xfrm>
+          <a:prstGeom prst="rect">
+            <a:avLst/>
+          </a:prstGeom>
+          <a:noFill/>
+        </p:spPr>
+        <p:txBody>
+          <a:bodyPr wrap="square" rtlCol="0">
+            <a:spAutoFit/>
+          </a:bodyPr>
+          <a:lstStyle/>
+          <a:p>
+            <a:pPr algn="ctr"/>
+            <a:r>
+              <a:rPr lang="en-US" altLang="zh-CN" sz="1000" dirty="0" smtClean="0"/>
+              <a:t>statictics data</a:t>
+            </a:r>
+            <a:endParaRPr lang="zh-CN" altLang="en-US" sz="1000" dirty="0"/>
+          </a:p>
+        </p:txBody>
+      </p:sp>
+      <p:sp>
+        <p:nvSpPr>
+          <p:cNvPr id="90" name="矩形 89"/>
+          <p:cNvSpPr/>
+          <p:nvPr/>
+        </p:nvSpPr>
+        <p:spPr>
+          <a:xfrm>
+            <a:off x="4191001" y="959621"/>
+            <a:ext cx="3460749" cy="206782"/>
+          </a:xfrm>
+          <a:prstGeom prst="rect">
+            <a:avLst/>
+          </a:prstGeom>
+        </p:spPr>
+        <p:style>
+          <a:lnRef idx="2">
+            <a:schemeClr val="accent1">
+              <a:shade val="50000"/>
+            </a:schemeClr>
+          </a:lnRef>
+          <a:fillRef idx="1">
+            <a:schemeClr val="accent1"/>
+          </a:fillRef>
+          <a:effectRef idx="0">
+            <a:schemeClr val="accent1"/>
+          </a:effectRef>
+          <a:fontRef idx="minor">
+            <a:schemeClr val="lt1"/>
+          </a:fontRef>
+        </p:style>
+        <p:txBody>
+          <a:bodyPr rtlCol="0" anchor="ctr"/>
+          <a:lstStyle/>
+          <a:p>
+            <a:pPr algn="ctr"/>
+            <a:r>
+              <a:rPr lang="en-US" altLang="zh-CN" sz="1000" dirty="0" smtClean="0"/>
+              <a:t>consumer</a:t>
+            </a:r>
+            <a:endParaRPr lang="zh-CN" altLang="en-US" sz="1000" dirty="0"/>
+          </a:p>
+        </p:txBody>
+      </p:sp>
+      <p:sp>
+        <p:nvSpPr>
+          <p:cNvPr id="91" name="矩形 90"/>
+          <p:cNvSpPr/>
+          <p:nvPr/>
+        </p:nvSpPr>
+        <p:spPr>
+          <a:xfrm>
+            <a:off x="4640396" y="344542"/>
+            <a:ext cx="2612754" cy="244378"/>
+          </a:xfrm>
+          <a:prstGeom prst="rect">
+            <a:avLst/>
+          </a:prstGeom>
+        </p:spPr>
+        <p:style>
+          <a:lnRef idx="2">
+            <a:schemeClr val="accent1">
+              <a:shade val="50000"/>
+            </a:schemeClr>
+          </a:lnRef>
+          <a:fillRef idx="1">
+            <a:schemeClr val="accent1"/>
+          </a:fillRef>
+          <a:effectRef idx="0">
+            <a:schemeClr val="accent1"/>
+          </a:effectRef>
+          <a:fontRef idx="minor">
+            <a:schemeClr val="lt1"/>
+          </a:fontRef>
+        </p:style>
+        <p:txBody>
+          <a:bodyPr rtlCol="0" anchor="ctr"/>
+          <a:lstStyle/>
+          <a:p>
+            <a:pPr algn="ctr"/>
+            <a:r>
+              <a:rPr lang="en-US" altLang="zh-CN" sz="1000" dirty="0" smtClean="0"/>
+              <a:t>web ui</a:t>
+            </a:r>
+            <a:endParaRPr lang="zh-CN" altLang="en-US" sz="1000" dirty="0"/>
+          </a:p>
+        </p:txBody>
+      </p:sp>
     </p:spTree>
     <p:extLst>
       <p:ext uri="{BB962C8B-B14F-4D97-AF65-F5344CB8AC3E}">
         <p14:creationId xmlns:p14="http://schemas.microsoft.com/office/powerpoint/2010/main" val="2740057298"/>
+      </p:ext>
+    </p:extLst>
+  </p:cSld>
+  <p:clrMapOvr>
+    <a:masterClrMapping/>
+  </p:clrMapOvr>
+  <p:timing>
+    <p:tnLst>
+      <p:par>
+        <p:cTn id="1" dur="indefinite" restart="never" nodeType="tmRoot"/>
+      </p:par>
+    </p:tnLst>
+  </p:timing>
+</p:sld>
+</file>
+
+<file path=ppt/slides/slide2.xml><?xml version="1.0" encoding="utf-8"?>
+<p:sld xmlns:a="http://schemas.openxmlformats.org/drawingml/2006/main" xmlns:r="http://schemas.openxmlformats.org/officeDocument/2006/relationships" xmlns:p="http://schemas.openxmlformats.org/presentationml/2006/main">
+  <p:cSld>
+    <p:spTree>
+      <p:nvGrpSpPr>
+        <p:cNvPr id="1" name=""/>
+        <p:cNvGrpSpPr/>
+        <p:nvPr/>
+      </p:nvGrpSpPr>
+      <p:grpSpPr>
+        <a:xfrm>
+          <a:off x="0" y="0"/>
+          <a:ext cx="0" cy="0"/>
+          <a:chOff x="0" y="0"/>
+          <a:chExt cx="0" cy="0"/>
+        </a:xfrm>
+      </p:grpSpPr>
+      <p:sp>
+        <p:nvSpPr>
+          <p:cNvPr id="4" name="矩形 3"/>
+          <p:cNvSpPr/>
+          <p:nvPr/>
+        </p:nvSpPr>
+        <p:spPr>
+          <a:xfrm>
+            <a:off x="4487335" y="1947331"/>
+            <a:ext cx="1617133" cy="880534"/>
+          </a:xfrm>
+          <a:prstGeom prst="rect">
+            <a:avLst/>
+          </a:prstGeom>
+        </p:spPr>
+        <p:style>
+          <a:lnRef idx="2">
+            <a:schemeClr val="accent1">
+              <a:shade val="50000"/>
+            </a:schemeClr>
+          </a:lnRef>
+          <a:fillRef idx="1">
+            <a:schemeClr val="accent1"/>
+          </a:fillRef>
+          <a:effectRef idx="0">
+            <a:schemeClr val="accent1"/>
+          </a:effectRef>
+          <a:fontRef idx="minor">
+            <a:schemeClr val="lt1"/>
+          </a:fontRef>
+        </p:style>
+        <p:txBody>
+          <a:bodyPr rtlCol="0" anchor="ctr"/>
+          <a:lstStyle/>
+          <a:p>
+            <a:pPr algn="ctr"/>
+            <a:r>
+              <a:rPr lang="en-US" altLang="zh-CN" sz="1600" dirty="0" smtClean="0"/>
+              <a:t>NORMAL</a:t>
+            </a:r>
+            <a:endParaRPr lang="zh-CN" altLang="en-US" sz="1600" dirty="0"/>
+          </a:p>
+        </p:txBody>
+      </p:sp>
+      <p:sp>
+        <p:nvSpPr>
+          <p:cNvPr id="5" name="矩形 4"/>
+          <p:cNvSpPr/>
+          <p:nvPr/>
+        </p:nvSpPr>
+        <p:spPr>
+          <a:xfrm>
+            <a:off x="7412567" y="4993213"/>
+            <a:ext cx="3873501" cy="880534"/>
+          </a:xfrm>
+          <a:prstGeom prst="rect">
+            <a:avLst/>
+          </a:prstGeom>
+        </p:spPr>
+        <p:style>
+          <a:lnRef idx="2">
+            <a:schemeClr val="accent6">
+              <a:shade val="50000"/>
+            </a:schemeClr>
+          </a:lnRef>
+          <a:fillRef idx="1">
+            <a:schemeClr val="accent6"/>
+          </a:fillRef>
+          <a:effectRef idx="0">
+            <a:schemeClr val="accent6"/>
+          </a:effectRef>
+          <a:fontRef idx="minor">
+            <a:schemeClr val="lt1"/>
+          </a:fontRef>
+        </p:style>
+        <p:txBody>
+          <a:bodyPr rtlCol="0" anchor="ctr"/>
+          <a:lstStyle/>
+          <a:p>
+            <a:pPr algn="ctr"/>
+            <a:r>
+              <a:rPr lang="en-US" altLang="zh-CN" sz="1600" dirty="0" smtClean="0"/>
+              <a:t>ABORTED_WITH_TOO_MANY_RETRIES</a:t>
+            </a:r>
+            <a:endParaRPr lang="zh-CN" altLang="en-US" sz="1600" dirty="0"/>
+          </a:p>
+        </p:txBody>
+      </p:sp>
+      <p:sp>
+        <p:nvSpPr>
+          <p:cNvPr id="6" name="矩形 5"/>
+          <p:cNvSpPr/>
+          <p:nvPr/>
+        </p:nvSpPr>
+        <p:spPr>
+          <a:xfrm>
+            <a:off x="8297333" y="1947331"/>
+            <a:ext cx="2548467" cy="880534"/>
+          </a:xfrm>
+          <a:prstGeom prst="rect">
+            <a:avLst/>
+          </a:prstGeom>
+        </p:spPr>
+        <p:style>
+          <a:lnRef idx="2">
+            <a:schemeClr val="accent5">
+              <a:shade val="50000"/>
+            </a:schemeClr>
+          </a:lnRef>
+          <a:fillRef idx="1">
+            <a:schemeClr val="accent5"/>
+          </a:fillRef>
+          <a:effectRef idx="0">
+            <a:schemeClr val="accent5"/>
+          </a:effectRef>
+          <a:fontRef idx="minor">
+            <a:schemeClr val="lt1"/>
+          </a:fontRef>
+        </p:style>
+        <p:txBody>
+          <a:bodyPr rtlCol="0" anchor="ctr"/>
+          <a:lstStyle/>
+          <a:p>
+            <a:pPr algn="ctr"/>
+            <a:r>
+              <a:rPr lang="en-US" altLang="zh-CN" sz="1600" dirty="0" smtClean="0"/>
+              <a:t>COMPLETED_NORMALLY</a:t>
+            </a:r>
+            <a:endParaRPr lang="zh-CN" altLang="en-US" sz="1600" dirty="0"/>
+          </a:p>
+        </p:txBody>
+      </p:sp>
+      <p:sp>
+        <p:nvSpPr>
+          <p:cNvPr id="7" name="矩形 6"/>
+          <p:cNvSpPr/>
+          <p:nvPr/>
+        </p:nvSpPr>
+        <p:spPr>
+          <a:xfrm>
+            <a:off x="4178301" y="4972619"/>
+            <a:ext cx="2235200" cy="880534"/>
+          </a:xfrm>
+          <a:prstGeom prst="rect">
+            <a:avLst/>
+          </a:prstGeom>
+        </p:spPr>
+        <p:style>
+          <a:lnRef idx="2">
+            <a:schemeClr val="accent4">
+              <a:shade val="50000"/>
+            </a:schemeClr>
+          </a:lnRef>
+          <a:fillRef idx="1">
+            <a:schemeClr val="accent4"/>
+          </a:fillRef>
+          <a:effectRef idx="0">
+            <a:schemeClr val="accent4"/>
+          </a:effectRef>
+          <a:fontRef idx="minor">
+            <a:schemeClr val="lt1"/>
+          </a:fontRef>
+        </p:style>
+        <p:txBody>
+          <a:bodyPr rtlCol="0" anchor="ctr"/>
+          <a:lstStyle/>
+          <a:p>
+            <a:pPr algn="ctr"/>
+            <a:r>
+              <a:rPr lang="en-US" altLang="zh-CN" sz="1600" dirty="0" smtClean="0"/>
+              <a:t>ABORTED_MANUALLY</a:t>
+            </a:r>
+            <a:endParaRPr lang="zh-CN" altLang="en-US" sz="1600" dirty="0"/>
+          </a:p>
+        </p:txBody>
+      </p:sp>
+      <p:sp>
+        <p:nvSpPr>
+          <p:cNvPr id="8" name="矩形 7"/>
+          <p:cNvSpPr/>
+          <p:nvPr/>
+        </p:nvSpPr>
+        <p:spPr>
+          <a:xfrm>
+            <a:off x="1490136" y="3610497"/>
+            <a:ext cx="1617133" cy="880534"/>
+          </a:xfrm>
+          <a:prstGeom prst="rect">
+            <a:avLst/>
+          </a:prstGeom>
+        </p:spPr>
+        <p:style>
+          <a:lnRef idx="2">
+            <a:schemeClr val="accent3">
+              <a:shade val="50000"/>
+            </a:schemeClr>
+          </a:lnRef>
+          <a:fillRef idx="1">
+            <a:schemeClr val="accent3"/>
+          </a:fillRef>
+          <a:effectRef idx="0">
+            <a:schemeClr val="accent3"/>
+          </a:effectRef>
+          <a:fontRef idx="minor">
+            <a:schemeClr val="lt1"/>
+          </a:fontRef>
+        </p:style>
+        <p:txBody>
+          <a:bodyPr rtlCol="0" anchor="ctr"/>
+          <a:lstStyle/>
+          <a:p>
+            <a:pPr algn="ctr"/>
+            <a:r>
+              <a:rPr lang="en-US" altLang="zh-CN" sz="1600" dirty="0" smtClean="0"/>
+              <a:t>PAUSED</a:t>
+            </a:r>
+            <a:endParaRPr lang="zh-CN" altLang="en-US" sz="1600" dirty="0"/>
+          </a:p>
+        </p:txBody>
+      </p:sp>
+      <p:cxnSp>
+        <p:nvCxnSpPr>
+          <p:cNvPr id="13" name="肘形连接符 12"/>
+          <p:cNvCxnSpPr>
+            <a:stCxn id="4" idx="2"/>
+            <a:endCxn id="8" idx="0"/>
+          </p:cNvCxnSpPr>
+          <p:nvPr/>
+        </p:nvCxnSpPr>
+        <p:spPr>
+          <a:xfrm rot="5400000">
+            <a:off x="3405987" y="1720582"/>
+            <a:ext cx="782632" cy="2997199"/>
+          </a:xfrm>
+          <a:prstGeom prst="bentConnector3">
+            <a:avLst/>
+          </a:prstGeom>
+          <a:ln>
+            <a:tailEnd type="triangle"/>
+          </a:ln>
+        </p:spPr>
+        <p:style>
+          <a:lnRef idx="1">
+            <a:schemeClr val="accent1"/>
+          </a:lnRef>
+          <a:fillRef idx="0">
+            <a:schemeClr val="accent1"/>
+          </a:fillRef>
+          <a:effectRef idx="0">
+            <a:schemeClr val="accent1"/>
+          </a:effectRef>
+          <a:fontRef idx="minor">
+            <a:schemeClr val="tx1"/>
+          </a:fontRef>
+        </p:style>
+      </p:cxnSp>
+      <p:cxnSp>
+        <p:nvCxnSpPr>
+          <p:cNvPr id="15" name="肘形连接符 14"/>
+          <p:cNvCxnSpPr>
+            <a:stCxn id="8" idx="3"/>
+            <a:endCxn id="7" idx="1"/>
+          </p:cNvCxnSpPr>
+          <p:nvPr/>
+        </p:nvCxnSpPr>
+        <p:spPr>
+          <a:xfrm>
+            <a:off x="3107269" y="4050764"/>
+            <a:ext cx="1071032" cy="1362122"/>
+          </a:xfrm>
+          <a:prstGeom prst="bentConnector3">
+            <a:avLst/>
+          </a:prstGeom>
+          <a:ln>
+            <a:tailEnd type="triangle"/>
+          </a:ln>
+        </p:spPr>
+        <p:style>
+          <a:lnRef idx="1">
+            <a:schemeClr val="accent1"/>
+          </a:lnRef>
+          <a:fillRef idx="0">
+            <a:schemeClr val="accent1"/>
+          </a:fillRef>
+          <a:effectRef idx="0">
+            <a:schemeClr val="accent1"/>
+          </a:effectRef>
+          <a:fontRef idx="minor">
+            <a:schemeClr val="tx1"/>
+          </a:fontRef>
+        </p:style>
+      </p:cxnSp>
+      <p:cxnSp>
+        <p:nvCxnSpPr>
+          <p:cNvPr id="18" name="肘形连接符 17"/>
+          <p:cNvCxnSpPr>
+            <a:stCxn id="8" idx="1"/>
+            <a:endCxn id="4" idx="1"/>
+          </p:cNvCxnSpPr>
+          <p:nvPr/>
+        </p:nvCxnSpPr>
+        <p:spPr>
+          <a:xfrm rot="10800000" flipH="1">
+            <a:off x="1490135" y="2387598"/>
+            <a:ext cx="2997199" cy="1663166"/>
+          </a:xfrm>
+          <a:prstGeom prst="bentConnector3">
+            <a:avLst>
+              <a:gd name="adj1" fmla="val -7627"/>
+            </a:avLst>
+          </a:prstGeom>
+          <a:ln>
+            <a:tailEnd type="triangle"/>
+          </a:ln>
+        </p:spPr>
+        <p:style>
+          <a:lnRef idx="1">
+            <a:schemeClr val="accent1"/>
+          </a:lnRef>
+          <a:fillRef idx="0">
+            <a:schemeClr val="accent1"/>
+          </a:fillRef>
+          <a:effectRef idx="0">
+            <a:schemeClr val="accent1"/>
+          </a:effectRef>
+          <a:fontRef idx="minor">
+            <a:schemeClr val="tx1"/>
+          </a:fontRef>
+        </p:style>
+      </p:cxnSp>
+      <p:cxnSp>
+        <p:nvCxnSpPr>
+          <p:cNvPr id="23" name="肘形连接符 22"/>
+          <p:cNvCxnSpPr>
+            <a:stCxn id="4" idx="3"/>
+            <a:endCxn id="6" idx="1"/>
+          </p:cNvCxnSpPr>
+          <p:nvPr/>
+        </p:nvCxnSpPr>
+        <p:spPr>
+          <a:xfrm>
+            <a:off x="6104468" y="2387598"/>
+            <a:ext cx="2192865" cy="12700"/>
+          </a:xfrm>
+          <a:prstGeom prst="bentConnector3">
+            <a:avLst>
+              <a:gd name="adj1" fmla="val 50000"/>
+            </a:avLst>
+          </a:prstGeom>
+          <a:ln>
+            <a:tailEnd type="triangle"/>
+          </a:ln>
+        </p:spPr>
+        <p:style>
+          <a:lnRef idx="1">
+            <a:schemeClr val="accent1"/>
+          </a:lnRef>
+          <a:fillRef idx="0">
+            <a:schemeClr val="accent1"/>
+          </a:fillRef>
+          <a:effectRef idx="0">
+            <a:schemeClr val="accent1"/>
+          </a:effectRef>
+          <a:fontRef idx="minor">
+            <a:schemeClr val="tx1"/>
+          </a:fontRef>
+        </p:style>
+      </p:cxnSp>
+      <p:cxnSp>
+        <p:nvCxnSpPr>
+          <p:cNvPr id="29" name="肘形连接符 28"/>
+          <p:cNvCxnSpPr>
+            <a:stCxn id="4" idx="3"/>
+            <a:endCxn id="5" idx="1"/>
+          </p:cNvCxnSpPr>
+          <p:nvPr/>
+        </p:nvCxnSpPr>
+        <p:spPr>
+          <a:xfrm>
+            <a:off x="6104468" y="2387598"/>
+            <a:ext cx="1308099" cy="3045882"/>
+          </a:xfrm>
+          <a:prstGeom prst="bentConnector3">
+            <a:avLst/>
+          </a:prstGeom>
+          <a:ln>
+            <a:tailEnd type="triangle"/>
+          </a:ln>
+        </p:spPr>
+        <p:style>
+          <a:lnRef idx="1">
+            <a:schemeClr val="accent1"/>
+          </a:lnRef>
+          <a:fillRef idx="0">
+            <a:schemeClr val="accent1"/>
+          </a:fillRef>
+          <a:effectRef idx="0">
+            <a:schemeClr val="accent1"/>
+          </a:effectRef>
+          <a:fontRef idx="minor">
+            <a:schemeClr val="tx1"/>
+          </a:fontRef>
+        </p:style>
+      </p:cxnSp>
+      <p:cxnSp>
+        <p:nvCxnSpPr>
+          <p:cNvPr id="40" name="肘形连接符 39"/>
+          <p:cNvCxnSpPr>
+            <a:stCxn id="4" idx="2"/>
+            <a:endCxn id="7" idx="0"/>
+          </p:cNvCxnSpPr>
+          <p:nvPr/>
+        </p:nvCxnSpPr>
+        <p:spPr>
+          <a:xfrm rot="5400000">
+            <a:off x="4223525" y="3900242"/>
+            <a:ext cx="2144754" cy="1"/>
+          </a:xfrm>
+          <a:prstGeom prst="bentConnector3">
+            <a:avLst>
+              <a:gd name="adj1" fmla="val 50000"/>
+            </a:avLst>
+          </a:prstGeom>
+          <a:ln>
+            <a:tailEnd type="triangle"/>
+          </a:ln>
+        </p:spPr>
+        <p:style>
+          <a:lnRef idx="1">
+            <a:schemeClr val="accent1"/>
+          </a:lnRef>
+          <a:fillRef idx="0">
+            <a:schemeClr val="accent1"/>
+          </a:fillRef>
+          <a:effectRef idx="0">
+            <a:schemeClr val="accent1"/>
+          </a:effectRef>
+          <a:fontRef idx="minor">
+            <a:schemeClr val="tx1"/>
+          </a:fontRef>
+        </p:style>
+      </p:cxnSp>
+      <p:sp>
+        <p:nvSpPr>
+          <p:cNvPr id="54" name="矩形 53"/>
+          <p:cNvSpPr/>
+          <p:nvPr/>
+        </p:nvSpPr>
+        <p:spPr>
+          <a:xfrm>
+            <a:off x="4239684" y="698737"/>
+            <a:ext cx="2095501" cy="575733"/>
+          </a:xfrm>
+          <a:prstGeom prst="rect">
+            <a:avLst/>
+          </a:prstGeom>
+        </p:spPr>
+        <p:style>
+          <a:lnRef idx="2">
+            <a:schemeClr val="accent1">
+              <a:shade val="50000"/>
+            </a:schemeClr>
+          </a:lnRef>
+          <a:fillRef idx="1">
+            <a:schemeClr val="accent1"/>
+          </a:fillRef>
+          <a:effectRef idx="0">
+            <a:schemeClr val="accent1"/>
+          </a:effectRef>
+          <a:fontRef idx="minor">
+            <a:schemeClr val="lt1"/>
+          </a:fontRef>
+        </p:style>
+        <p:txBody>
+          <a:bodyPr rtlCol="0" anchor="ctr"/>
+          <a:lstStyle/>
+          <a:p>
+            <a:pPr algn="ctr"/>
+            <a:r>
+              <a:rPr lang="en-US" altLang="zh-CN" sz="1600" dirty="0" smtClean="0"/>
+              <a:t>TASK CREATION</a:t>
+            </a:r>
+            <a:endParaRPr lang="zh-CN" altLang="en-US" sz="1600" dirty="0"/>
+          </a:p>
+        </p:txBody>
+      </p:sp>
+      <p:cxnSp>
+        <p:nvCxnSpPr>
+          <p:cNvPr id="56" name="肘形连接符 55"/>
+          <p:cNvCxnSpPr>
+            <a:stCxn id="54" idx="2"/>
+            <a:endCxn id="4" idx="0"/>
+          </p:cNvCxnSpPr>
+          <p:nvPr/>
+        </p:nvCxnSpPr>
+        <p:spPr>
+          <a:xfrm rot="16200000" flipH="1">
+            <a:off x="4955238" y="1606666"/>
+            <a:ext cx="672861" cy="8467"/>
+          </a:xfrm>
+          <a:prstGeom prst="bentConnector3">
+            <a:avLst/>
+          </a:prstGeom>
+          <a:ln>
+            <a:tailEnd type="triangle"/>
+          </a:ln>
+        </p:spPr>
+        <p:style>
+          <a:lnRef idx="1">
+            <a:schemeClr val="accent1"/>
+          </a:lnRef>
+          <a:fillRef idx="0">
+            <a:schemeClr val="accent1"/>
+          </a:fillRef>
+          <a:effectRef idx="0">
+            <a:schemeClr val="accent1"/>
+          </a:effectRef>
+          <a:fontRef idx="minor">
+            <a:schemeClr val="tx1"/>
+          </a:fontRef>
+        </p:style>
+      </p:cxnSp>
+      <p:sp>
+        <p:nvSpPr>
+          <p:cNvPr id="59" name="文本框 58"/>
+          <p:cNvSpPr txBox="1"/>
+          <p:nvPr/>
+        </p:nvSpPr>
+        <p:spPr>
+          <a:xfrm>
+            <a:off x="2468035" y="2893063"/>
+            <a:ext cx="2461682" cy="338554"/>
+          </a:xfrm>
+          <a:prstGeom prst="rect">
+            <a:avLst/>
+          </a:prstGeom>
+          <a:noFill/>
+        </p:spPr>
+        <p:txBody>
+          <a:bodyPr wrap="square" rtlCol="0">
+            <a:spAutoFit/>
+          </a:bodyPr>
+          <a:lstStyle/>
+          <a:p>
+            <a:pPr algn="ctr"/>
+            <a:r>
+              <a:rPr lang="en-US" altLang="zh-CN" sz="1600" dirty="0" smtClean="0"/>
+              <a:t>rdelay-cli pause(taskid)</a:t>
+            </a:r>
+            <a:endParaRPr lang="zh-CN" altLang="en-US" sz="1600" dirty="0"/>
+          </a:p>
+        </p:txBody>
+      </p:sp>
+      <p:sp>
+        <p:nvSpPr>
+          <p:cNvPr id="61" name="文本框 60"/>
+          <p:cNvSpPr txBox="1"/>
+          <p:nvPr/>
+        </p:nvSpPr>
+        <p:spPr>
+          <a:xfrm>
+            <a:off x="1974854" y="2089734"/>
+            <a:ext cx="2264830" cy="338554"/>
+          </a:xfrm>
+          <a:prstGeom prst="rect">
+            <a:avLst/>
+          </a:prstGeom>
+          <a:noFill/>
+        </p:spPr>
+        <p:txBody>
+          <a:bodyPr wrap="square" rtlCol="0">
+            <a:spAutoFit/>
+          </a:bodyPr>
+          <a:lstStyle/>
+          <a:p>
+            <a:pPr algn="ctr"/>
+            <a:r>
+              <a:rPr lang="en-US" altLang="zh-CN" sz="1600" dirty="0" smtClean="0"/>
+              <a:t>rdelay-cli resume(taskid)</a:t>
+            </a:r>
+            <a:endParaRPr lang="zh-CN" altLang="en-US" sz="1600" dirty="0"/>
+          </a:p>
+        </p:txBody>
+      </p:sp>
+      <p:sp>
+        <p:nvSpPr>
+          <p:cNvPr id="62" name="文本框 61"/>
+          <p:cNvSpPr txBox="1"/>
+          <p:nvPr/>
+        </p:nvSpPr>
+        <p:spPr>
+          <a:xfrm>
+            <a:off x="4555066" y="4321754"/>
+            <a:ext cx="1714501" cy="338554"/>
+          </a:xfrm>
+          <a:prstGeom prst="rect">
+            <a:avLst/>
+          </a:prstGeom>
+          <a:noFill/>
+        </p:spPr>
+        <p:txBody>
+          <a:bodyPr wrap="square" rtlCol="0">
+            <a:spAutoFit/>
+          </a:bodyPr>
+          <a:lstStyle/>
+          <a:p>
+            <a:pPr algn="ctr"/>
+            <a:r>
+              <a:rPr lang="en-US" altLang="zh-CN" sz="1600" dirty="0" smtClean="0"/>
+              <a:t>rdelay-cli abort</a:t>
+            </a:r>
+            <a:endParaRPr lang="zh-CN" altLang="en-US" sz="1600" dirty="0"/>
+          </a:p>
+        </p:txBody>
+      </p:sp>
+    </p:spTree>
+    <p:extLst>
+      <p:ext uri="{BB962C8B-B14F-4D97-AF65-F5344CB8AC3E}">
+        <p14:creationId xmlns:p14="http://schemas.microsoft.com/office/powerpoint/2010/main" val="780197405"/>
       </p:ext>
     </p:extLst>
   </p:cSld>

--- a/rdelay.pptx
+++ b/rdelay.pptx
@@ -4820,7 +4820,7 @@
         </p:nvSpPr>
         <p:spPr>
           <a:xfrm>
-            <a:off x="4487335" y="1947331"/>
+            <a:off x="4766735" y="1938864"/>
             <a:ext cx="1617133" cy="880534"/>
           </a:xfrm>
           <a:prstGeom prst="rect">
@@ -4864,7 +4864,7 @@
         </p:nvSpPr>
         <p:spPr>
           <a:xfrm>
-            <a:off x="7412567" y="4993213"/>
+            <a:off x="7691967" y="4984746"/>
             <a:ext cx="3873501" cy="880534"/>
           </a:xfrm>
           <a:prstGeom prst="rect">
@@ -4908,7 +4908,7 @@
         </p:nvSpPr>
         <p:spPr>
           <a:xfrm>
-            <a:off x="8297333" y="1947331"/>
+            <a:off x="8576733" y="1938864"/>
             <a:ext cx="2548467" cy="880534"/>
           </a:xfrm>
           <a:prstGeom prst="rect">
@@ -4952,7 +4952,7 @@
         </p:nvSpPr>
         <p:spPr>
           <a:xfrm>
-            <a:off x="4178301" y="4972619"/>
+            <a:off x="4457701" y="4964152"/>
             <a:ext cx="2235200" cy="880534"/>
           </a:xfrm>
           <a:prstGeom prst="rect">
@@ -4996,7 +4996,7 @@
         </p:nvSpPr>
         <p:spPr>
           <a:xfrm>
-            <a:off x="1490136" y="3610497"/>
+            <a:off x="1769536" y="3602030"/>
             <a:ext cx="1617133" cy="880534"/>
           </a:xfrm>
           <a:prstGeom prst="rect">
@@ -5043,7 +5043,7 @@
         </p:nvCxnSpPr>
         <p:spPr>
           <a:xfrm rot="5400000">
-            <a:off x="3405987" y="1720582"/>
+            <a:off x="3685387" y="1712115"/>
             <a:ext cx="782632" cy="2997199"/>
           </a:xfrm>
           <a:prstGeom prst="bentConnector3">
@@ -5079,7 +5079,7 @@
         </p:nvCxnSpPr>
         <p:spPr>
           <a:xfrm>
-            <a:off x="3107269" y="4050764"/>
+            <a:off x="3386669" y="4042297"/>
             <a:ext cx="1071032" cy="1362122"/>
           </a:xfrm>
           <a:prstGeom prst="bentConnector3">
@@ -5115,7 +5115,7 @@
         </p:nvCxnSpPr>
         <p:spPr>
           <a:xfrm rot="10800000" flipH="1">
-            <a:off x="1490135" y="2387598"/>
+            <a:off x="1769535" y="2379131"/>
             <a:ext cx="2997199" cy="1663166"/>
           </a:xfrm>
           <a:prstGeom prst="bentConnector3">
@@ -5153,7 +5153,7 @@
         </p:nvCxnSpPr>
         <p:spPr>
           <a:xfrm>
-            <a:off x="6104468" y="2387598"/>
+            <a:off x="6383868" y="2379131"/>
             <a:ext cx="2192865" cy="12700"/>
           </a:xfrm>
           <a:prstGeom prst="bentConnector3">
@@ -5191,7 +5191,7 @@
         </p:nvCxnSpPr>
         <p:spPr>
           <a:xfrm>
-            <a:off x="6104468" y="2387598"/>
+            <a:off x="6383868" y="2379131"/>
             <a:ext cx="1308099" cy="3045882"/>
           </a:xfrm>
           <a:prstGeom prst="bentConnector3">
@@ -5227,7 +5227,7 @@
         </p:nvCxnSpPr>
         <p:spPr>
           <a:xfrm rot="5400000">
-            <a:off x="4223525" y="3900242"/>
+            <a:off x="4502925" y="3891775"/>
             <a:ext cx="2144754" cy="1"/>
           </a:xfrm>
           <a:prstGeom prst="bentConnector3">
@@ -5262,7 +5262,7 @@
         </p:nvSpPr>
         <p:spPr>
           <a:xfrm>
-            <a:off x="4239684" y="698737"/>
+            <a:off x="4519084" y="690270"/>
             <a:ext cx="2095501" cy="575733"/>
           </a:xfrm>
           <a:prstGeom prst="rect">
@@ -5309,7 +5309,7 @@
         </p:nvCxnSpPr>
         <p:spPr>
           <a:xfrm rot="16200000" flipH="1">
-            <a:off x="4955238" y="1606666"/>
+            <a:off x="5234638" y="1598199"/>
             <a:ext cx="672861" cy="8467"/>
           </a:xfrm>
           <a:prstGeom prst="bentConnector3">
@@ -5342,7 +5342,7 @@
         </p:nvSpPr>
         <p:spPr>
           <a:xfrm>
-            <a:off x="2468035" y="2893063"/>
+            <a:off x="2747435" y="2884596"/>
             <a:ext cx="2461682" cy="338554"/>
           </a:xfrm>
           <a:prstGeom prst="rect">
@@ -5373,7 +5373,7 @@
         </p:nvSpPr>
         <p:spPr>
           <a:xfrm>
-            <a:off x="1974854" y="2089734"/>
+            <a:off x="2254254" y="2081267"/>
             <a:ext cx="2264830" cy="338554"/>
           </a:xfrm>
           <a:prstGeom prst="rect">
@@ -5404,7 +5404,7 @@
         </p:nvSpPr>
         <p:spPr>
           <a:xfrm>
-            <a:off x="4555066" y="4321754"/>
+            <a:off x="4834466" y="4313287"/>
             <a:ext cx="1714501" cy="338554"/>
           </a:xfrm>
           <a:prstGeom prst="rect">
